--- a/Group8-BusinessAnalysis-CapstoneProject-Slides.pptx
+++ b/Group8-BusinessAnalysis-CapstoneProject-Slides.pptx
@@ -5,7 +5,7 @@
     <p:sldMasterId id="2147483648" r:id="rId1"/>
   </p:sldMasterIdLst>
   <p:notesMasterIdLst>
-    <p:notesMasterId r:id="rId21"/>
+    <p:notesMasterId r:id="rId22"/>
   </p:notesMasterIdLst>
   <p:sldIdLst>
     <p:sldId id="256" r:id="rId2"/>
@@ -27,6 +27,7 @@
     <p:sldId id="270" r:id="rId18"/>
     <p:sldId id="274" r:id="rId19"/>
     <p:sldId id="271" r:id="rId20"/>
+    <p:sldId id="278" r:id="rId21"/>
   </p:sldIdLst>
   <p:sldSz cx="12192000" cy="6858000"/>
   <p:notesSz cx="6858000" cy="9144000"/>
@@ -177,6 +178,7 @@
             <p14:sldId id="270"/>
             <p14:sldId id="274"/>
             <p14:sldId id="271"/>
+            <p14:sldId id="278"/>
           </p14:sldIdLst>
         </p14:section>
       </p14:sectionLst>
@@ -1469,6 +1471,126 @@
 </p:notes>
 </file>
 
+<file path=ppt/notesSlides/notesSlide18.xml><?xml version="1.0" encoding="utf-8"?>
+<p:notes xmlns:a="http://schemas.openxmlformats.org/drawingml/2006/main" xmlns:r="http://schemas.openxmlformats.org/officeDocument/2006/relationships" xmlns:p="http://schemas.openxmlformats.org/presentationml/2006/main">
+  <p:cSld>
+    <p:spTree>
+      <p:nvGrpSpPr>
+        <p:cNvPr id="1" name=""/>
+        <p:cNvGrpSpPr/>
+        <p:nvPr/>
+      </p:nvGrpSpPr>
+      <p:grpSpPr>
+        <a:xfrm>
+          <a:off x="0" y="0"/>
+          <a:ext cx="0" cy="0"/>
+          <a:chOff x="0" y="0"/>
+          <a:chExt cx="0" cy="0"/>
+        </a:xfrm>
+      </p:grpSpPr>
+      <p:sp>
+        <p:nvSpPr>
+          <p:cNvPr id="2" name="Slide Image Placeholder 1"/>
+          <p:cNvSpPr>
+            <a:spLocks noGrp="1" noRot="1" noChangeAspect="1"/>
+          </p:cNvSpPr>
+          <p:nvPr>
+            <p:ph type="sldImg"/>
+          </p:nvPr>
+        </p:nvSpPr>
+        <p:spPr/>
+      </p:sp>
+      <p:sp>
+        <p:nvSpPr>
+          <p:cNvPr id="3" name="Notes Placeholder 2"/>
+          <p:cNvSpPr>
+            <a:spLocks noGrp="1"/>
+          </p:cNvSpPr>
+          <p:nvPr>
+            <p:ph type="body" idx="1"/>
+          </p:nvPr>
+        </p:nvSpPr>
+        <p:spPr/>
+        <p:txBody>
+          <a:bodyPr/>
+          <a:lstStyle/>
+          <a:p>
+            <a:r>
+              <a:rPr lang="en-US" altLang="zh-CN" dirty="0">
+                <a:solidFill>
+                  <a:srgbClr val="252525"/>
+                </a:solidFill>
+                <a:effectLst/>
+              </a:rPr>
+              <a:t>We use the well-known K-means algorithm for clustering.</a:t>
+            </a:r>
+          </a:p>
+          <a:p>
+            <a:r>
+              <a:rPr lang="en-US" altLang="zh-CN" dirty="0">
+                <a:solidFill>
+                  <a:srgbClr val="252525"/>
+                </a:solidFill>
+                <a:effectLst/>
+              </a:rPr>
+              <a:t>For CTR and CPC, we clustered and got two clusters: the cluster with higher CTR and lower CPC corresponded to audiences that had actually clicked on the ads, and the remaining corresponded to those that hadn’t.</a:t>
+            </a:r>
+          </a:p>
+          <a:p>
+            <a:r>
+              <a:rPr lang="en-US" altLang="zh-CN" dirty="0">
+                <a:solidFill>
+                  <a:srgbClr val="252525"/>
+                </a:solidFill>
+                <a:effectLst/>
+              </a:rPr>
+              <a:t>For approval rate, we get three audience clusters that correspond to different levels of approval percent.</a:t>
+            </a:r>
+          </a:p>
+          <a:p>
+            <a:endParaRPr lang="en-US" altLang="zh-CN" dirty="0"/>
+          </a:p>
+          <a:p>
+            <a:endParaRPr lang="zh-CN" altLang="en-US" dirty="0"/>
+          </a:p>
+        </p:txBody>
+      </p:sp>
+      <p:sp>
+        <p:nvSpPr>
+          <p:cNvPr id="4" name="Slide Number Placeholder 3"/>
+          <p:cNvSpPr>
+            <a:spLocks noGrp="1"/>
+          </p:cNvSpPr>
+          <p:nvPr>
+            <p:ph type="sldNum" sz="quarter" idx="5"/>
+          </p:nvPr>
+        </p:nvSpPr>
+        <p:spPr/>
+        <p:txBody>
+          <a:bodyPr/>
+          <a:lstStyle/>
+          <a:p>
+            <a:fld id="{6CD72B16-65A7-409F-B62E-6A2D708ECC59}" type="slidenum">
+              <a:rPr lang="zh-CN" altLang="en-US" smtClean="0"/>
+              <a:t>20</a:t>
+            </a:fld>
+            <a:endParaRPr lang="zh-CN" altLang="en-US"/>
+          </a:p>
+        </p:txBody>
+      </p:sp>
+    </p:spTree>
+    <p:extLst>
+      <p:ext uri="{BB962C8B-B14F-4D97-AF65-F5344CB8AC3E}">
+        <p14:creationId xmlns:p14="http://schemas.microsoft.com/office/powerpoint/2010/main" val="1150976553"/>
+      </p:ext>
+    </p:extLst>
+  </p:cSld>
+  <p:clrMapOvr>
+    <a:masterClrMapping/>
+  </p:clrMapOvr>
+</p:notes>
+</file>
+
 <file path=ppt/notesSlides/notesSlide2.xml><?xml version="1.0" encoding="utf-8"?>
 <p:notes xmlns:a="http://schemas.openxmlformats.org/drawingml/2006/main" xmlns:r="http://schemas.openxmlformats.org/officeDocument/2006/relationships" xmlns:p="http://schemas.openxmlformats.org/presentationml/2006/main">
   <p:cSld>
@@ -2187,7 +2309,18 @@
                 </a:solidFill>
                 <a:effectLst/>
               </a:rPr>
-              <a:t>However, the definition of the data was so vague that it's hard to generalize for all cases. At the beginning, we inferred some constraints from the definition of the anonymous provider. It is straightforward that if no money was paid, then the return values should be zero. </a:t>
+              <a:t>However, the definition of the data was so vague that it's hard to generalize for all cases. </a:t>
+            </a:r>
+          </a:p>
+          <a:p>
+            <a:r>
+              <a:rPr lang="en-US" altLang="zh-CN" dirty="0">
+                <a:solidFill>
+                  <a:srgbClr val="252525"/>
+                </a:solidFill>
+                <a:effectLst/>
+              </a:rPr>
+              <a:t>At the beginning, we inferred some constraints from the definition of the anonymous provider. It is straightforward that if no money was paid, then the return values should be zero. </a:t>
             </a:r>
             <a:r>
               <a:rPr lang="en-US" altLang="zh-CN" dirty="0" err="1">
@@ -20381,14 +20514,14 @@
           </p:cNvPr>
           <p:cNvCxnSpPr>
             <a:cxnSpLocks/>
-            <a:endCxn id="12" idx="2"/>
+            <a:endCxn id="31" idx="5"/>
           </p:cNvCxnSpPr>
           <p:nvPr/>
         </p:nvCxnSpPr>
         <p:spPr>
           <a:xfrm>
             <a:off x="2617961" y="527655"/>
-            <a:ext cx="1899754" cy="0"/>
+            <a:ext cx="7278265" cy="36309"/>
           </a:xfrm>
           <a:prstGeom prst="line">
             <a:avLst/>
@@ -22677,14 +22810,14 @@
           </p:cNvPr>
           <p:cNvCxnSpPr>
             <a:cxnSpLocks/>
-            <a:endCxn id="12" idx="2"/>
+            <a:endCxn id="31" idx="2"/>
           </p:cNvCxnSpPr>
           <p:nvPr/>
         </p:nvCxnSpPr>
         <p:spPr>
           <a:xfrm>
             <a:off x="2617961" y="527655"/>
-            <a:ext cx="1899754" cy="0"/>
+            <a:ext cx="7185108" cy="1239"/>
           </a:xfrm>
           <a:prstGeom prst="line">
             <a:avLst/>
@@ -24448,19 +24581,7 @@
                 <a:cs typeface="Poppins" panose="00000500000000000000" pitchFamily="2" charset="0"/>
                 <a:sym typeface="Calibri"/>
               </a:rPr>
-              <a:t>Adding </a:t>
-            </a:r>
-            <a:r>
-              <a:rPr lang="en-US" altLang="zh-CN" b="1">
-                <a:solidFill>
-                  <a:sysClr val="windowText" lastClr="000000"/>
-                </a:solidFill>
-                <a:latin typeface="Poppins" panose="00000500000000000000" pitchFamily="2" charset="0"/>
-                <a:ea typeface="Calibri"/>
-                <a:cs typeface="Poppins" panose="00000500000000000000" pitchFamily="2" charset="0"/>
-                <a:sym typeface="Calibri"/>
-              </a:rPr>
-              <a:t>Conversion Features</a:t>
+              <a:t>Adding Conversion Features</a:t>
             </a:r>
             <a:endParaRPr lang="en-US" altLang="zh-CN" b="1" baseline="30000" dirty="0">
               <a:latin typeface="Poppins" panose="00000500000000000000" pitchFamily="2" charset="0"/>
@@ -24912,14 +25033,14 @@
           </p:cNvPr>
           <p:cNvCxnSpPr>
             <a:cxnSpLocks/>
-            <a:endCxn id="30" idx="6"/>
+            <a:endCxn id="27" idx="1"/>
           </p:cNvCxnSpPr>
           <p:nvPr/>
         </p:nvCxnSpPr>
         <p:spPr>
-          <a:xfrm>
-            <a:off x="2617961" y="527655"/>
-            <a:ext cx="7275793" cy="1239"/>
+          <a:xfrm flipV="1">
+            <a:off x="2617961" y="503522"/>
+            <a:ext cx="8982076" cy="24133"/>
           </a:xfrm>
           <a:prstGeom prst="line">
             <a:avLst/>
@@ -26285,6 +26406,1300 @@
 </p:sld>
 </file>
 
+<file path=ppt/slides/slide20.xml><?xml version="1.0" encoding="utf-8"?>
+<p:sld xmlns:a="http://schemas.openxmlformats.org/drawingml/2006/main" xmlns:r="http://schemas.openxmlformats.org/officeDocument/2006/relationships" xmlns:p="http://schemas.openxmlformats.org/presentationml/2006/main">
+  <p:cSld>
+    <p:spTree>
+      <p:nvGrpSpPr>
+        <p:cNvPr id="1" name=""/>
+        <p:cNvGrpSpPr/>
+        <p:nvPr/>
+      </p:nvGrpSpPr>
+      <p:grpSpPr>
+        <a:xfrm>
+          <a:off x="0" y="0"/>
+          <a:ext cx="0" cy="0"/>
+          <a:chOff x="0" y="0"/>
+          <a:chExt cx="0" cy="0"/>
+        </a:xfrm>
+      </p:grpSpPr>
+      <p:pic>
+        <p:nvPicPr>
+          <p:cNvPr id="8" name="Picture 7">
+            <a:extLst>
+              <a:ext uri="{FF2B5EF4-FFF2-40B4-BE49-F238E27FC236}">
+                <a16:creationId xmlns:a16="http://schemas.microsoft.com/office/drawing/2014/main" id="{5C582561-6421-DBEA-85DA-A2B5DF5EF44E}"/>
+              </a:ext>
+            </a:extLst>
+          </p:cNvPr>
+          <p:cNvPicPr>
+            <a:picLocks noChangeAspect="1"/>
+          </p:cNvPicPr>
+          <p:nvPr/>
+        </p:nvPicPr>
+        <p:blipFill>
+          <a:blip r:embed="rId3"/>
+          <a:stretch>
+            <a:fillRect/>
+          </a:stretch>
+        </p:blipFill>
+        <p:spPr>
+          <a:xfrm>
+            <a:off x="-304800" y="-1465960"/>
+            <a:ext cx="4664475" cy="751585"/>
+          </a:xfrm>
+          <a:prstGeom prst="rect">
+            <a:avLst/>
+          </a:prstGeom>
+        </p:spPr>
+      </p:pic>
+      <p:pic>
+        <p:nvPicPr>
+          <p:cNvPr id="10" name="Picture 9">
+            <a:extLst>
+              <a:ext uri="{FF2B5EF4-FFF2-40B4-BE49-F238E27FC236}">
+                <a16:creationId xmlns:a16="http://schemas.microsoft.com/office/drawing/2014/main" id="{CC90BEFF-AEEE-3DA2-47C3-6C3987FF91A8}"/>
+              </a:ext>
+            </a:extLst>
+          </p:cNvPr>
+          <p:cNvPicPr>
+            <a:picLocks noChangeAspect="1"/>
+          </p:cNvPicPr>
+          <p:nvPr/>
+        </p:nvPicPr>
+        <p:blipFill>
+          <a:blip r:embed="rId4"/>
+          <a:stretch>
+            <a:fillRect/>
+          </a:stretch>
+        </p:blipFill>
+        <p:spPr>
+          <a:xfrm>
+            <a:off x="4969275" y="-1662349"/>
+            <a:ext cx="4823514" cy="947974"/>
+          </a:xfrm>
+          <a:prstGeom prst="rect">
+            <a:avLst/>
+          </a:prstGeom>
+        </p:spPr>
+      </p:pic>
+      <p:pic>
+        <p:nvPicPr>
+          <p:cNvPr id="14" name="Picture 13">
+            <a:extLst>
+              <a:ext uri="{FF2B5EF4-FFF2-40B4-BE49-F238E27FC236}">
+                <a16:creationId xmlns:a16="http://schemas.microsoft.com/office/drawing/2014/main" id="{1D552063-4553-BE9B-63D6-996BDBFE48A3}"/>
+              </a:ext>
+            </a:extLst>
+          </p:cNvPr>
+          <p:cNvPicPr>
+            <a:picLocks noChangeAspect="1"/>
+          </p:cNvPicPr>
+          <p:nvPr/>
+        </p:nvPicPr>
+        <p:blipFill>
+          <a:blip r:embed="rId5"/>
+          <a:stretch>
+            <a:fillRect/>
+          </a:stretch>
+        </p:blipFill>
+        <p:spPr>
+          <a:xfrm>
+            <a:off x="10167614" y="-2756778"/>
+            <a:ext cx="4639322" cy="2581635"/>
+          </a:xfrm>
+          <a:prstGeom prst="rect">
+            <a:avLst/>
+          </a:prstGeom>
+        </p:spPr>
+      </p:pic>
+      <p:pic>
+        <p:nvPicPr>
+          <p:cNvPr id="16" name="Picture 15">
+            <a:extLst>
+              <a:ext uri="{FF2B5EF4-FFF2-40B4-BE49-F238E27FC236}">
+                <a16:creationId xmlns:a16="http://schemas.microsoft.com/office/drawing/2014/main" id="{5F57270A-2F81-ACE9-DA8F-DFEC2944A118}"/>
+              </a:ext>
+            </a:extLst>
+          </p:cNvPr>
+          <p:cNvPicPr>
+            <a:picLocks noChangeAspect="1"/>
+          </p:cNvPicPr>
+          <p:nvPr/>
+        </p:nvPicPr>
+        <p:blipFill>
+          <a:blip r:embed="rId6"/>
+          <a:stretch>
+            <a:fillRect/>
+          </a:stretch>
+        </p:blipFill>
+        <p:spPr>
+          <a:xfrm>
+            <a:off x="-1200765" y="7229365"/>
+            <a:ext cx="6748564" cy="1209786"/>
+          </a:xfrm>
+          <a:prstGeom prst="rect">
+            <a:avLst/>
+          </a:prstGeom>
+        </p:spPr>
+      </p:pic>
+      <p:pic>
+        <p:nvPicPr>
+          <p:cNvPr id="18" name="Picture 17">
+            <a:extLst>
+              <a:ext uri="{FF2B5EF4-FFF2-40B4-BE49-F238E27FC236}">
+                <a16:creationId xmlns:a16="http://schemas.microsoft.com/office/drawing/2014/main" id="{0B13F656-B4CB-D31F-9FF7-FCE9F12F3603}"/>
+              </a:ext>
+            </a:extLst>
+          </p:cNvPr>
+          <p:cNvPicPr>
+            <a:picLocks noChangeAspect="1"/>
+          </p:cNvPicPr>
+          <p:nvPr/>
+        </p:nvPicPr>
+        <p:blipFill>
+          <a:blip r:embed="rId7"/>
+          <a:stretch>
+            <a:fillRect/>
+          </a:stretch>
+        </p:blipFill>
+        <p:spPr>
+          <a:xfrm>
+            <a:off x="5638800" y="7329572"/>
+            <a:ext cx="6353854" cy="1038252"/>
+          </a:xfrm>
+          <a:prstGeom prst="rect">
+            <a:avLst/>
+          </a:prstGeom>
+        </p:spPr>
+      </p:pic>
+      <p:pic>
+        <p:nvPicPr>
+          <p:cNvPr id="24" name="Picture 23">
+            <a:extLst>
+              <a:ext uri="{FF2B5EF4-FFF2-40B4-BE49-F238E27FC236}">
+                <a16:creationId xmlns:a16="http://schemas.microsoft.com/office/drawing/2014/main" id="{40167365-A887-8107-7FDB-ACF56EEBBC21}"/>
+              </a:ext>
+            </a:extLst>
+          </p:cNvPr>
+          <p:cNvPicPr>
+            <a:picLocks noChangeAspect="1"/>
+          </p:cNvPicPr>
+          <p:nvPr/>
+        </p:nvPicPr>
+        <p:blipFill>
+          <a:blip r:embed="rId8"/>
+          <a:stretch>
+            <a:fillRect/>
+          </a:stretch>
+        </p:blipFill>
+        <p:spPr>
+          <a:xfrm>
+            <a:off x="-2496173" y="-2756778"/>
+            <a:ext cx="6782424" cy="1026764"/>
+          </a:xfrm>
+          <a:prstGeom prst="rect">
+            <a:avLst/>
+          </a:prstGeom>
+        </p:spPr>
+      </p:pic>
+      <p:cxnSp>
+        <p:nvCxnSpPr>
+          <p:cNvPr id="4" name="Straight Connector 3">
+            <a:extLst>
+              <a:ext uri="{FF2B5EF4-FFF2-40B4-BE49-F238E27FC236}">
+                <a16:creationId xmlns:a16="http://schemas.microsoft.com/office/drawing/2014/main" id="{E4D4FE53-C2F4-CE0A-84C2-632A94DD5BC4}"/>
+              </a:ext>
+            </a:extLst>
+          </p:cNvPr>
+          <p:cNvCxnSpPr>
+            <a:cxnSpLocks/>
+          </p:cNvCxnSpPr>
+          <p:nvPr/>
+        </p:nvCxnSpPr>
+        <p:spPr>
+          <a:xfrm>
+            <a:off x="2617961" y="527655"/>
+            <a:ext cx="9022497" cy="0"/>
+          </a:xfrm>
+          <a:prstGeom prst="line">
+            <a:avLst/>
+          </a:prstGeom>
+          <a:ln w="19050">
+            <a:solidFill>
+              <a:srgbClr val="E6E6E6"/>
+            </a:solidFill>
+          </a:ln>
+        </p:spPr>
+        <p:style>
+          <a:lnRef idx="1">
+            <a:schemeClr val="accent1"/>
+          </a:lnRef>
+          <a:fillRef idx="0">
+            <a:schemeClr val="accent1"/>
+          </a:fillRef>
+          <a:effectRef idx="0">
+            <a:schemeClr val="accent1"/>
+          </a:effectRef>
+          <a:fontRef idx="minor">
+            <a:schemeClr val="tx1"/>
+          </a:fontRef>
+        </p:style>
+      </p:cxnSp>
+      <p:cxnSp>
+        <p:nvCxnSpPr>
+          <p:cNvPr id="2" name="Straight Connector 1">
+            <a:extLst>
+              <a:ext uri="{FF2B5EF4-FFF2-40B4-BE49-F238E27FC236}">
+                <a16:creationId xmlns:a16="http://schemas.microsoft.com/office/drawing/2014/main" id="{1050BFB4-3834-861C-2C52-D15384D38988}"/>
+              </a:ext>
+            </a:extLst>
+          </p:cNvPr>
+          <p:cNvCxnSpPr>
+            <a:cxnSpLocks/>
+            <a:endCxn id="27" idx="1"/>
+          </p:cNvCxnSpPr>
+          <p:nvPr/>
+        </p:nvCxnSpPr>
+        <p:spPr>
+          <a:xfrm flipV="1">
+            <a:off x="2617961" y="503522"/>
+            <a:ext cx="8982076" cy="24133"/>
+          </a:xfrm>
+          <a:prstGeom prst="line">
+            <a:avLst/>
+          </a:prstGeom>
+          <a:ln w="19050">
+            <a:gradFill flip="none" rotWithShape="1">
+              <a:gsLst>
+                <a:gs pos="0">
+                  <a:srgbClr val="BE264C"/>
+                </a:gs>
+                <a:gs pos="100000">
+                  <a:srgbClr val="92AEB9"/>
+                </a:gs>
+              </a:gsLst>
+              <a:lin ang="2700000" scaled="1"/>
+              <a:tileRect/>
+            </a:gradFill>
+          </a:ln>
+        </p:spPr>
+        <p:style>
+          <a:lnRef idx="1">
+            <a:schemeClr val="accent1"/>
+          </a:lnRef>
+          <a:fillRef idx="0">
+            <a:schemeClr val="accent1"/>
+          </a:fillRef>
+          <a:effectRef idx="0">
+            <a:schemeClr val="accent1"/>
+          </a:effectRef>
+          <a:fontRef idx="minor">
+            <a:schemeClr val="tx1"/>
+          </a:fontRef>
+        </p:style>
+      </p:cxnSp>
+      <p:grpSp>
+        <p:nvGrpSpPr>
+          <p:cNvPr id="15" name="Group 14">
+            <a:extLst>
+              <a:ext uri="{FF2B5EF4-FFF2-40B4-BE49-F238E27FC236}">
+                <a16:creationId xmlns:a16="http://schemas.microsoft.com/office/drawing/2014/main" id="{4D06FE4F-17CC-AEC7-59D7-3CD79374A17D}"/>
+              </a:ext>
+            </a:extLst>
+          </p:cNvPr>
+          <p:cNvGrpSpPr/>
+          <p:nvPr/>
+        </p:nvGrpSpPr>
+        <p:grpSpPr>
+          <a:xfrm>
+            <a:off x="4499261" y="478058"/>
+            <a:ext cx="109140" cy="99194"/>
+            <a:chOff x="3538936" y="931069"/>
+            <a:chExt cx="109140" cy="99194"/>
+          </a:xfrm>
+        </p:grpSpPr>
+        <p:sp>
+          <p:nvSpPr>
+            <p:cNvPr id="12" name="Oval 11">
+              <a:extLst>
+                <a:ext uri="{FF2B5EF4-FFF2-40B4-BE49-F238E27FC236}">
+                  <a16:creationId xmlns:a16="http://schemas.microsoft.com/office/drawing/2014/main" id="{84584C83-521F-773C-4E03-4B78F83336DE}"/>
+                </a:ext>
+              </a:extLst>
+            </p:cNvPr>
+            <p:cNvSpPr/>
+            <p:nvPr/>
+          </p:nvSpPr>
+          <p:spPr>
+            <a:xfrm>
+              <a:off x="3557390" y="946537"/>
+              <a:ext cx="72231" cy="68257"/>
+            </a:xfrm>
+            <a:prstGeom prst="ellipse">
+              <a:avLst/>
+            </a:prstGeom>
+            <a:gradFill>
+              <a:gsLst>
+                <a:gs pos="0">
+                  <a:srgbClr val="BE264C"/>
+                </a:gs>
+                <a:gs pos="100000">
+                  <a:srgbClr val="92AEB9"/>
+                </a:gs>
+              </a:gsLst>
+              <a:lin ang="2700000" scaled="1"/>
+            </a:gradFill>
+            <a:ln>
+              <a:noFill/>
+            </a:ln>
+          </p:spPr>
+          <p:style>
+            <a:lnRef idx="2">
+              <a:schemeClr val="accent1">
+                <a:shade val="50000"/>
+              </a:schemeClr>
+            </a:lnRef>
+            <a:fillRef idx="1">
+              <a:schemeClr val="accent1"/>
+            </a:fillRef>
+            <a:effectRef idx="0">
+              <a:schemeClr val="accent1"/>
+            </a:effectRef>
+            <a:fontRef idx="minor">
+              <a:schemeClr val="lt1"/>
+            </a:fontRef>
+          </p:style>
+          <p:txBody>
+            <a:bodyPr rtlCol="0" anchor="ctr"/>
+            <a:lstStyle/>
+            <a:p>
+              <a:pPr algn="ctr"/>
+              <a:endParaRPr lang="zh-CN" altLang="en-US"/>
+            </a:p>
+          </p:txBody>
+        </p:sp>
+        <p:sp>
+          <p:nvSpPr>
+            <p:cNvPr id="13" name="Oval 12">
+              <a:extLst>
+                <a:ext uri="{FF2B5EF4-FFF2-40B4-BE49-F238E27FC236}">
+                  <a16:creationId xmlns:a16="http://schemas.microsoft.com/office/drawing/2014/main" id="{32E7E4B4-00A5-6593-F78B-964316B2AE72}"/>
+                </a:ext>
+              </a:extLst>
+            </p:cNvPr>
+            <p:cNvSpPr/>
+            <p:nvPr/>
+          </p:nvSpPr>
+          <p:spPr>
+            <a:xfrm>
+              <a:off x="3538936" y="931069"/>
+              <a:ext cx="109140" cy="99194"/>
+            </a:xfrm>
+            <a:prstGeom prst="ellipse">
+              <a:avLst/>
+            </a:prstGeom>
+            <a:noFill/>
+            <a:ln>
+              <a:gradFill flip="none" rotWithShape="1">
+                <a:gsLst>
+                  <a:gs pos="0">
+                    <a:srgbClr val="BB2649"/>
+                  </a:gs>
+                  <a:gs pos="74000">
+                    <a:schemeClr val="accent1">
+                      <a:lumMod val="45000"/>
+                      <a:lumOff val="55000"/>
+                    </a:schemeClr>
+                  </a:gs>
+                  <a:gs pos="83000">
+                    <a:schemeClr val="accent1">
+                      <a:lumMod val="45000"/>
+                      <a:lumOff val="55000"/>
+                    </a:schemeClr>
+                  </a:gs>
+                  <a:gs pos="100000">
+                    <a:srgbClr val="FFFFFF"/>
+                  </a:gs>
+                </a:gsLst>
+                <a:lin ang="2700000" scaled="1"/>
+                <a:tileRect/>
+              </a:gradFill>
+            </a:ln>
+          </p:spPr>
+          <p:style>
+            <a:lnRef idx="2">
+              <a:schemeClr val="accent1">
+                <a:shade val="50000"/>
+              </a:schemeClr>
+            </a:lnRef>
+            <a:fillRef idx="1">
+              <a:schemeClr val="accent1"/>
+            </a:fillRef>
+            <a:effectRef idx="0">
+              <a:schemeClr val="accent1"/>
+            </a:effectRef>
+            <a:fontRef idx="minor">
+              <a:schemeClr val="lt1"/>
+            </a:fontRef>
+          </p:style>
+          <p:txBody>
+            <a:bodyPr rtlCol="0" anchor="ctr"/>
+            <a:lstStyle/>
+            <a:p>
+              <a:pPr algn="ctr"/>
+              <a:endParaRPr lang="zh-CN" altLang="en-US"/>
+            </a:p>
+          </p:txBody>
+        </p:sp>
+      </p:grpSp>
+      <p:sp>
+        <p:nvSpPr>
+          <p:cNvPr id="22" name="TextBox 21">
+            <a:extLst>
+              <a:ext uri="{FF2B5EF4-FFF2-40B4-BE49-F238E27FC236}">
+                <a16:creationId xmlns:a16="http://schemas.microsoft.com/office/drawing/2014/main" id="{73291329-635F-957B-2336-1A52ABE8B248}"/>
+              </a:ext>
+            </a:extLst>
+          </p:cNvPr>
+          <p:cNvSpPr txBox="1"/>
+          <p:nvPr/>
+        </p:nvSpPr>
+        <p:spPr>
+          <a:xfrm>
+            <a:off x="352198" y="278957"/>
+            <a:ext cx="1946047" cy="461665"/>
+          </a:xfrm>
+          <a:prstGeom prst="rect">
+            <a:avLst/>
+          </a:prstGeom>
+          <a:solidFill>
+            <a:schemeClr val="bg1"/>
+          </a:solidFill>
+        </p:spPr>
+        <p:txBody>
+          <a:bodyPr wrap="square" rtlCol="0">
+            <a:spAutoFit/>
+          </a:bodyPr>
+          <a:lstStyle/>
+          <a:p>
+            <a:r>
+              <a:rPr lang="en-US" altLang="zh-CN" sz="2400" b="1" spc="100" dirty="0">
+                <a:gradFill>
+                  <a:gsLst>
+                    <a:gs pos="0">
+                      <a:srgbClr val="BE264C"/>
+                    </a:gs>
+                    <a:gs pos="74000">
+                      <a:schemeClr val="accent1">
+                        <a:lumMod val="45000"/>
+                        <a:lumOff val="55000"/>
+                      </a:schemeClr>
+                    </a:gs>
+                    <a:gs pos="83000">
+                      <a:schemeClr val="accent1">
+                        <a:lumMod val="45000"/>
+                        <a:lumOff val="55000"/>
+                      </a:schemeClr>
+                    </a:gs>
+                    <a:gs pos="100000">
+                      <a:srgbClr val="92AEB9"/>
+                    </a:gs>
+                  </a:gsLst>
+                  <a:lin ang="5400000" scaled="1"/>
+                </a:gradFill>
+                <a:latin typeface="Poppins" panose="00000500000000000000" pitchFamily="2" charset="0"/>
+                <a:ea typeface="Roboto" panose="02000000000000000000" pitchFamily="2" charset="0"/>
+                <a:cs typeface="Poppins" panose="00000500000000000000" pitchFamily="2" charset="0"/>
+              </a:rPr>
+              <a:t>Summary</a:t>
+            </a:r>
+            <a:endParaRPr lang="zh-CN" altLang="en-US" sz="2400" b="1" spc="100" dirty="0">
+              <a:gradFill>
+                <a:gsLst>
+                  <a:gs pos="0">
+                    <a:srgbClr val="BE264C"/>
+                  </a:gs>
+                  <a:gs pos="74000">
+                    <a:schemeClr val="accent1">
+                      <a:lumMod val="45000"/>
+                      <a:lumOff val="55000"/>
+                    </a:schemeClr>
+                  </a:gs>
+                  <a:gs pos="83000">
+                    <a:schemeClr val="accent1">
+                      <a:lumMod val="45000"/>
+                      <a:lumOff val="55000"/>
+                    </a:schemeClr>
+                  </a:gs>
+                  <a:gs pos="100000">
+                    <a:srgbClr val="92AEB9"/>
+                  </a:gs>
+                </a:gsLst>
+                <a:lin ang="5400000" scaled="1"/>
+              </a:gradFill>
+              <a:latin typeface="Poppins" panose="00000500000000000000" pitchFamily="2" charset="0"/>
+              <a:cs typeface="Poppins" panose="00000500000000000000" pitchFamily="2" charset="0"/>
+            </a:endParaRPr>
+          </a:p>
+        </p:txBody>
+      </p:sp>
+      <p:grpSp>
+        <p:nvGrpSpPr>
+          <p:cNvPr id="17" name="Group 16">
+            <a:extLst>
+              <a:ext uri="{FF2B5EF4-FFF2-40B4-BE49-F238E27FC236}">
+                <a16:creationId xmlns:a16="http://schemas.microsoft.com/office/drawing/2014/main" id="{6FD50358-195B-D162-AA32-78F573FD668C}"/>
+              </a:ext>
+            </a:extLst>
+          </p:cNvPr>
+          <p:cNvGrpSpPr/>
+          <p:nvPr/>
+        </p:nvGrpSpPr>
+        <p:grpSpPr>
+          <a:xfrm>
+            <a:off x="6267197" y="478058"/>
+            <a:ext cx="109140" cy="99194"/>
+            <a:chOff x="3538936" y="931069"/>
+            <a:chExt cx="109140" cy="99194"/>
+          </a:xfrm>
+        </p:grpSpPr>
+        <p:sp>
+          <p:nvSpPr>
+            <p:cNvPr id="19" name="Oval 18">
+              <a:extLst>
+                <a:ext uri="{FF2B5EF4-FFF2-40B4-BE49-F238E27FC236}">
+                  <a16:creationId xmlns:a16="http://schemas.microsoft.com/office/drawing/2014/main" id="{B77E0006-9F25-7C0C-5783-0111F7373352}"/>
+                </a:ext>
+              </a:extLst>
+            </p:cNvPr>
+            <p:cNvSpPr/>
+            <p:nvPr/>
+          </p:nvSpPr>
+          <p:spPr>
+            <a:xfrm>
+              <a:off x="3557390" y="946537"/>
+              <a:ext cx="72231" cy="68257"/>
+            </a:xfrm>
+            <a:prstGeom prst="ellipse">
+              <a:avLst/>
+            </a:prstGeom>
+            <a:gradFill>
+              <a:gsLst>
+                <a:gs pos="0">
+                  <a:srgbClr val="BE264C"/>
+                </a:gs>
+                <a:gs pos="100000">
+                  <a:srgbClr val="92AEB9"/>
+                </a:gs>
+              </a:gsLst>
+              <a:lin ang="2700000" scaled="1"/>
+            </a:gradFill>
+            <a:ln>
+              <a:noFill/>
+            </a:ln>
+          </p:spPr>
+          <p:style>
+            <a:lnRef idx="2">
+              <a:schemeClr val="accent1">
+                <a:shade val="50000"/>
+              </a:schemeClr>
+            </a:lnRef>
+            <a:fillRef idx="1">
+              <a:schemeClr val="accent1"/>
+            </a:fillRef>
+            <a:effectRef idx="0">
+              <a:schemeClr val="accent1"/>
+            </a:effectRef>
+            <a:fontRef idx="minor">
+              <a:schemeClr val="lt1"/>
+            </a:fontRef>
+          </p:style>
+          <p:txBody>
+            <a:bodyPr rtlCol="0" anchor="ctr"/>
+            <a:lstStyle/>
+            <a:p>
+              <a:pPr algn="ctr"/>
+              <a:endParaRPr lang="zh-CN" altLang="en-US"/>
+            </a:p>
+          </p:txBody>
+        </p:sp>
+        <p:sp>
+          <p:nvSpPr>
+            <p:cNvPr id="20" name="Oval 19">
+              <a:extLst>
+                <a:ext uri="{FF2B5EF4-FFF2-40B4-BE49-F238E27FC236}">
+                  <a16:creationId xmlns:a16="http://schemas.microsoft.com/office/drawing/2014/main" id="{EF698EC0-8260-9E91-F2F3-40A1E127F502}"/>
+                </a:ext>
+              </a:extLst>
+            </p:cNvPr>
+            <p:cNvSpPr/>
+            <p:nvPr/>
+          </p:nvSpPr>
+          <p:spPr>
+            <a:xfrm>
+              <a:off x="3538936" y="931069"/>
+              <a:ext cx="109140" cy="99194"/>
+            </a:xfrm>
+            <a:prstGeom prst="ellipse">
+              <a:avLst/>
+            </a:prstGeom>
+            <a:noFill/>
+            <a:ln>
+              <a:gradFill flip="none" rotWithShape="1">
+                <a:gsLst>
+                  <a:gs pos="0">
+                    <a:srgbClr val="BB2649"/>
+                  </a:gs>
+                  <a:gs pos="74000">
+                    <a:schemeClr val="accent1">
+                      <a:lumMod val="45000"/>
+                      <a:lumOff val="55000"/>
+                    </a:schemeClr>
+                  </a:gs>
+                  <a:gs pos="83000">
+                    <a:schemeClr val="accent1">
+                      <a:lumMod val="45000"/>
+                      <a:lumOff val="55000"/>
+                    </a:schemeClr>
+                  </a:gs>
+                  <a:gs pos="100000">
+                    <a:srgbClr val="FFFFFF"/>
+                  </a:gs>
+                </a:gsLst>
+                <a:lin ang="2700000" scaled="1"/>
+                <a:tileRect/>
+              </a:gradFill>
+            </a:ln>
+          </p:spPr>
+          <p:style>
+            <a:lnRef idx="2">
+              <a:schemeClr val="accent1">
+                <a:shade val="50000"/>
+              </a:schemeClr>
+            </a:lnRef>
+            <a:fillRef idx="1">
+              <a:schemeClr val="accent1"/>
+            </a:fillRef>
+            <a:effectRef idx="0">
+              <a:schemeClr val="accent1"/>
+            </a:effectRef>
+            <a:fontRef idx="minor">
+              <a:schemeClr val="lt1"/>
+            </a:fontRef>
+          </p:style>
+          <p:txBody>
+            <a:bodyPr rtlCol="0" anchor="ctr"/>
+            <a:lstStyle/>
+            <a:p>
+              <a:pPr algn="ctr"/>
+              <a:endParaRPr lang="zh-CN" altLang="en-US"/>
+            </a:p>
+          </p:txBody>
+        </p:sp>
+      </p:grpSp>
+      <p:grpSp>
+        <p:nvGrpSpPr>
+          <p:cNvPr id="21" name="Group 20">
+            <a:extLst>
+              <a:ext uri="{FF2B5EF4-FFF2-40B4-BE49-F238E27FC236}">
+                <a16:creationId xmlns:a16="http://schemas.microsoft.com/office/drawing/2014/main" id="{6883AF4C-942D-C5F4-70DF-EE762477535C}"/>
+              </a:ext>
+            </a:extLst>
+          </p:cNvPr>
+          <p:cNvGrpSpPr/>
+          <p:nvPr/>
+        </p:nvGrpSpPr>
+        <p:grpSpPr>
+          <a:xfrm>
+            <a:off x="8035133" y="478058"/>
+            <a:ext cx="109140" cy="99194"/>
+            <a:chOff x="3538936" y="931069"/>
+            <a:chExt cx="109140" cy="99194"/>
+          </a:xfrm>
+        </p:grpSpPr>
+        <p:sp>
+          <p:nvSpPr>
+            <p:cNvPr id="23" name="Oval 22">
+              <a:extLst>
+                <a:ext uri="{FF2B5EF4-FFF2-40B4-BE49-F238E27FC236}">
+                  <a16:creationId xmlns:a16="http://schemas.microsoft.com/office/drawing/2014/main" id="{2E9ACF89-248D-D276-27AE-5530873E611D}"/>
+                </a:ext>
+              </a:extLst>
+            </p:cNvPr>
+            <p:cNvSpPr/>
+            <p:nvPr/>
+          </p:nvSpPr>
+          <p:spPr>
+            <a:xfrm>
+              <a:off x="3557390" y="946537"/>
+              <a:ext cx="72231" cy="68257"/>
+            </a:xfrm>
+            <a:prstGeom prst="ellipse">
+              <a:avLst/>
+            </a:prstGeom>
+            <a:gradFill>
+              <a:gsLst>
+                <a:gs pos="0">
+                  <a:srgbClr val="BE264C"/>
+                </a:gs>
+                <a:gs pos="100000">
+                  <a:srgbClr val="92AEB9"/>
+                </a:gs>
+              </a:gsLst>
+              <a:lin ang="2700000" scaled="1"/>
+            </a:gradFill>
+            <a:ln>
+              <a:noFill/>
+            </a:ln>
+          </p:spPr>
+          <p:style>
+            <a:lnRef idx="2">
+              <a:schemeClr val="accent1">
+                <a:shade val="50000"/>
+              </a:schemeClr>
+            </a:lnRef>
+            <a:fillRef idx="1">
+              <a:schemeClr val="accent1"/>
+            </a:fillRef>
+            <a:effectRef idx="0">
+              <a:schemeClr val="accent1"/>
+            </a:effectRef>
+            <a:fontRef idx="minor">
+              <a:schemeClr val="lt1"/>
+            </a:fontRef>
+          </p:style>
+          <p:txBody>
+            <a:bodyPr rtlCol="0" anchor="ctr"/>
+            <a:lstStyle/>
+            <a:p>
+              <a:pPr algn="ctr"/>
+              <a:endParaRPr lang="zh-CN" altLang="en-US"/>
+            </a:p>
+          </p:txBody>
+        </p:sp>
+        <p:sp>
+          <p:nvSpPr>
+            <p:cNvPr id="25" name="Oval 24">
+              <a:extLst>
+                <a:ext uri="{FF2B5EF4-FFF2-40B4-BE49-F238E27FC236}">
+                  <a16:creationId xmlns:a16="http://schemas.microsoft.com/office/drawing/2014/main" id="{765315DA-C079-90FA-CFB1-C4B462BB514C}"/>
+                </a:ext>
+              </a:extLst>
+            </p:cNvPr>
+            <p:cNvSpPr/>
+            <p:nvPr/>
+          </p:nvSpPr>
+          <p:spPr>
+            <a:xfrm>
+              <a:off x="3538936" y="931069"/>
+              <a:ext cx="109140" cy="99194"/>
+            </a:xfrm>
+            <a:prstGeom prst="ellipse">
+              <a:avLst/>
+            </a:prstGeom>
+            <a:noFill/>
+            <a:ln>
+              <a:gradFill flip="none" rotWithShape="1">
+                <a:gsLst>
+                  <a:gs pos="0">
+                    <a:srgbClr val="BB2649"/>
+                  </a:gs>
+                  <a:gs pos="74000">
+                    <a:schemeClr val="accent1">
+                      <a:lumMod val="45000"/>
+                      <a:lumOff val="55000"/>
+                    </a:schemeClr>
+                  </a:gs>
+                  <a:gs pos="83000">
+                    <a:schemeClr val="accent1">
+                      <a:lumMod val="45000"/>
+                      <a:lumOff val="55000"/>
+                    </a:schemeClr>
+                  </a:gs>
+                  <a:gs pos="100000">
+                    <a:srgbClr val="FFFFFF"/>
+                  </a:gs>
+                </a:gsLst>
+                <a:lin ang="2700000" scaled="1"/>
+                <a:tileRect/>
+              </a:gradFill>
+            </a:ln>
+          </p:spPr>
+          <p:style>
+            <a:lnRef idx="2">
+              <a:schemeClr val="accent1">
+                <a:shade val="50000"/>
+              </a:schemeClr>
+            </a:lnRef>
+            <a:fillRef idx="1">
+              <a:schemeClr val="accent1"/>
+            </a:fillRef>
+            <a:effectRef idx="0">
+              <a:schemeClr val="accent1"/>
+            </a:effectRef>
+            <a:fontRef idx="minor">
+              <a:schemeClr val="lt1"/>
+            </a:fontRef>
+          </p:style>
+          <p:txBody>
+            <a:bodyPr rtlCol="0" anchor="ctr"/>
+            <a:lstStyle/>
+            <a:p>
+              <a:pPr algn="ctr"/>
+              <a:endParaRPr lang="zh-CN" altLang="en-US"/>
+            </a:p>
+          </p:txBody>
+        </p:sp>
+      </p:grpSp>
+      <p:grpSp>
+        <p:nvGrpSpPr>
+          <p:cNvPr id="26" name="Group 25">
+            <a:extLst>
+              <a:ext uri="{FF2B5EF4-FFF2-40B4-BE49-F238E27FC236}">
+                <a16:creationId xmlns:a16="http://schemas.microsoft.com/office/drawing/2014/main" id="{97B99703-917B-E685-E868-2ABAA701FE34}"/>
+              </a:ext>
+            </a:extLst>
+          </p:cNvPr>
+          <p:cNvGrpSpPr/>
+          <p:nvPr/>
+        </p:nvGrpSpPr>
+        <p:grpSpPr>
+          <a:xfrm>
+            <a:off x="11571005" y="478058"/>
+            <a:ext cx="109140" cy="99194"/>
+            <a:chOff x="3538936" y="931069"/>
+            <a:chExt cx="109140" cy="99194"/>
+          </a:xfrm>
+        </p:grpSpPr>
+        <p:sp>
+          <p:nvSpPr>
+            <p:cNvPr id="27" name="Oval 26">
+              <a:extLst>
+                <a:ext uri="{FF2B5EF4-FFF2-40B4-BE49-F238E27FC236}">
+                  <a16:creationId xmlns:a16="http://schemas.microsoft.com/office/drawing/2014/main" id="{9180690B-9D57-C72F-E91A-5CFA3522C0CE}"/>
+                </a:ext>
+              </a:extLst>
+            </p:cNvPr>
+            <p:cNvSpPr/>
+            <p:nvPr/>
+          </p:nvSpPr>
+          <p:spPr>
+            <a:xfrm>
+              <a:off x="3557390" y="946537"/>
+              <a:ext cx="72231" cy="68257"/>
+            </a:xfrm>
+            <a:prstGeom prst="ellipse">
+              <a:avLst/>
+            </a:prstGeom>
+            <a:gradFill>
+              <a:gsLst>
+                <a:gs pos="0">
+                  <a:srgbClr val="BE264C"/>
+                </a:gs>
+                <a:gs pos="100000">
+                  <a:srgbClr val="92AEB9"/>
+                </a:gs>
+              </a:gsLst>
+              <a:lin ang="2700000" scaled="1"/>
+            </a:gradFill>
+            <a:ln>
+              <a:noFill/>
+            </a:ln>
+          </p:spPr>
+          <p:style>
+            <a:lnRef idx="2">
+              <a:schemeClr val="accent1">
+                <a:shade val="50000"/>
+              </a:schemeClr>
+            </a:lnRef>
+            <a:fillRef idx="1">
+              <a:schemeClr val="accent1"/>
+            </a:fillRef>
+            <a:effectRef idx="0">
+              <a:schemeClr val="accent1"/>
+            </a:effectRef>
+            <a:fontRef idx="minor">
+              <a:schemeClr val="lt1"/>
+            </a:fontRef>
+          </p:style>
+          <p:txBody>
+            <a:bodyPr rtlCol="0" anchor="ctr"/>
+            <a:lstStyle/>
+            <a:p>
+              <a:pPr algn="ctr"/>
+              <a:endParaRPr lang="zh-CN" altLang="en-US"/>
+            </a:p>
+          </p:txBody>
+        </p:sp>
+        <p:sp>
+          <p:nvSpPr>
+            <p:cNvPr id="28" name="Oval 27">
+              <a:extLst>
+                <a:ext uri="{FF2B5EF4-FFF2-40B4-BE49-F238E27FC236}">
+                  <a16:creationId xmlns:a16="http://schemas.microsoft.com/office/drawing/2014/main" id="{453AC916-CC2B-C484-04ED-672E49044A10}"/>
+                </a:ext>
+              </a:extLst>
+            </p:cNvPr>
+            <p:cNvSpPr/>
+            <p:nvPr/>
+          </p:nvSpPr>
+          <p:spPr>
+            <a:xfrm>
+              <a:off x="3538936" y="931069"/>
+              <a:ext cx="109140" cy="99194"/>
+            </a:xfrm>
+            <a:prstGeom prst="ellipse">
+              <a:avLst/>
+            </a:prstGeom>
+            <a:noFill/>
+            <a:ln>
+              <a:gradFill flip="none" rotWithShape="1">
+                <a:gsLst>
+                  <a:gs pos="0">
+                    <a:srgbClr val="BB2649"/>
+                  </a:gs>
+                  <a:gs pos="74000">
+                    <a:schemeClr val="accent1">
+                      <a:lumMod val="45000"/>
+                      <a:lumOff val="55000"/>
+                    </a:schemeClr>
+                  </a:gs>
+                  <a:gs pos="83000">
+                    <a:schemeClr val="accent1">
+                      <a:lumMod val="45000"/>
+                      <a:lumOff val="55000"/>
+                    </a:schemeClr>
+                  </a:gs>
+                  <a:gs pos="100000">
+                    <a:srgbClr val="FFFFFF"/>
+                  </a:gs>
+                </a:gsLst>
+                <a:lin ang="2700000" scaled="1"/>
+                <a:tileRect/>
+              </a:gradFill>
+            </a:ln>
+          </p:spPr>
+          <p:style>
+            <a:lnRef idx="2">
+              <a:schemeClr val="accent1">
+                <a:shade val="50000"/>
+              </a:schemeClr>
+            </a:lnRef>
+            <a:fillRef idx="1">
+              <a:schemeClr val="accent1"/>
+            </a:fillRef>
+            <a:effectRef idx="0">
+              <a:schemeClr val="accent1"/>
+            </a:effectRef>
+            <a:fontRef idx="minor">
+              <a:schemeClr val="lt1"/>
+            </a:fontRef>
+          </p:style>
+          <p:txBody>
+            <a:bodyPr rtlCol="0" anchor="ctr"/>
+            <a:lstStyle/>
+            <a:p>
+              <a:pPr algn="ctr"/>
+              <a:endParaRPr lang="zh-CN" altLang="en-US"/>
+            </a:p>
+          </p:txBody>
+        </p:sp>
+      </p:grpSp>
+      <p:grpSp>
+        <p:nvGrpSpPr>
+          <p:cNvPr id="29" name="Group 28">
+            <a:extLst>
+              <a:ext uri="{FF2B5EF4-FFF2-40B4-BE49-F238E27FC236}">
+                <a16:creationId xmlns:a16="http://schemas.microsoft.com/office/drawing/2014/main" id="{2DCCE26E-685B-D816-42AB-ABF2E46E39FA}"/>
+              </a:ext>
+            </a:extLst>
+          </p:cNvPr>
+          <p:cNvGrpSpPr/>
+          <p:nvPr/>
+        </p:nvGrpSpPr>
+        <p:grpSpPr>
+          <a:xfrm>
+            <a:off x="9803069" y="479297"/>
+            <a:ext cx="109140" cy="99194"/>
+            <a:chOff x="3538936" y="931069"/>
+            <a:chExt cx="109140" cy="99194"/>
+          </a:xfrm>
+        </p:grpSpPr>
+        <p:sp>
+          <p:nvSpPr>
+            <p:cNvPr id="30" name="Oval 29">
+              <a:extLst>
+                <a:ext uri="{FF2B5EF4-FFF2-40B4-BE49-F238E27FC236}">
+                  <a16:creationId xmlns:a16="http://schemas.microsoft.com/office/drawing/2014/main" id="{F5260B02-869B-8FE5-06B6-577822B30AE1}"/>
+                </a:ext>
+              </a:extLst>
+            </p:cNvPr>
+            <p:cNvSpPr/>
+            <p:nvPr/>
+          </p:nvSpPr>
+          <p:spPr>
+            <a:xfrm>
+              <a:off x="3557390" y="946537"/>
+              <a:ext cx="72231" cy="68257"/>
+            </a:xfrm>
+            <a:prstGeom prst="ellipse">
+              <a:avLst/>
+            </a:prstGeom>
+            <a:gradFill>
+              <a:gsLst>
+                <a:gs pos="0">
+                  <a:srgbClr val="BE264C"/>
+                </a:gs>
+                <a:gs pos="100000">
+                  <a:srgbClr val="92AEB9"/>
+                </a:gs>
+              </a:gsLst>
+              <a:lin ang="2700000" scaled="1"/>
+            </a:gradFill>
+            <a:ln>
+              <a:noFill/>
+            </a:ln>
+          </p:spPr>
+          <p:style>
+            <a:lnRef idx="2">
+              <a:schemeClr val="accent1">
+                <a:shade val="50000"/>
+              </a:schemeClr>
+            </a:lnRef>
+            <a:fillRef idx="1">
+              <a:schemeClr val="accent1"/>
+            </a:fillRef>
+            <a:effectRef idx="0">
+              <a:schemeClr val="accent1"/>
+            </a:effectRef>
+            <a:fontRef idx="minor">
+              <a:schemeClr val="lt1"/>
+            </a:fontRef>
+          </p:style>
+          <p:txBody>
+            <a:bodyPr rtlCol="0" anchor="ctr"/>
+            <a:lstStyle/>
+            <a:p>
+              <a:pPr algn="ctr"/>
+              <a:endParaRPr lang="zh-CN" altLang="en-US"/>
+            </a:p>
+          </p:txBody>
+        </p:sp>
+        <p:sp>
+          <p:nvSpPr>
+            <p:cNvPr id="31" name="Oval 30">
+              <a:extLst>
+                <a:ext uri="{FF2B5EF4-FFF2-40B4-BE49-F238E27FC236}">
+                  <a16:creationId xmlns:a16="http://schemas.microsoft.com/office/drawing/2014/main" id="{D551E89A-919E-8C10-36F7-0B7EFB20BF00}"/>
+                </a:ext>
+              </a:extLst>
+            </p:cNvPr>
+            <p:cNvSpPr/>
+            <p:nvPr/>
+          </p:nvSpPr>
+          <p:spPr>
+            <a:xfrm>
+              <a:off x="3538936" y="931069"/>
+              <a:ext cx="109140" cy="99194"/>
+            </a:xfrm>
+            <a:prstGeom prst="ellipse">
+              <a:avLst/>
+            </a:prstGeom>
+            <a:noFill/>
+            <a:ln>
+              <a:gradFill flip="none" rotWithShape="1">
+                <a:gsLst>
+                  <a:gs pos="0">
+                    <a:srgbClr val="BB2649"/>
+                  </a:gs>
+                  <a:gs pos="74000">
+                    <a:schemeClr val="accent1">
+                      <a:lumMod val="45000"/>
+                      <a:lumOff val="55000"/>
+                    </a:schemeClr>
+                  </a:gs>
+                  <a:gs pos="83000">
+                    <a:schemeClr val="accent1">
+                      <a:lumMod val="45000"/>
+                      <a:lumOff val="55000"/>
+                    </a:schemeClr>
+                  </a:gs>
+                  <a:gs pos="100000">
+                    <a:srgbClr val="FFFFFF"/>
+                  </a:gs>
+                </a:gsLst>
+                <a:lin ang="2700000" scaled="1"/>
+                <a:tileRect/>
+              </a:gradFill>
+            </a:ln>
+          </p:spPr>
+          <p:style>
+            <a:lnRef idx="2">
+              <a:schemeClr val="accent1">
+                <a:shade val="50000"/>
+              </a:schemeClr>
+            </a:lnRef>
+            <a:fillRef idx="1">
+              <a:schemeClr val="accent1"/>
+            </a:fillRef>
+            <a:effectRef idx="0">
+              <a:schemeClr val="accent1"/>
+            </a:effectRef>
+            <a:fontRef idx="minor">
+              <a:schemeClr val="lt1"/>
+            </a:fontRef>
+          </p:style>
+          <p:txBody>
+            <a:bodyPr rtlCol="0" anchor="ctr"/>
+            <a:lstStyle/>
+            <a:p>
+              <a:pPr algn="ctr"/>
+              <a:endParaRPr lang="zh-CN" altLang="en-US"/>
+            </a:p>
+          </p:txBody>
+        </p:sp>
+      </p:grpSp>
+      <p:sp>
+        <p:nvSpPr>
+          <p:cNvPr id="5" name="Google Shape;114;p14">
+            <a:extLst>
+              <a:ext uri="{FF2B5EF4-FFF2-40B4-BE49-F238E27FC236}">
+                <a16:creationId xmlns:a16="http://schemas.microsoft.com/office/drawing/2014/main" id="{EE0E0A1C-7F4E-EF4F-7D98-1EB6794F24A4}"/>
+              </a:ext>
+            </a:extLst>
+          </p:cNvPr>
+          <p:cNvSpPr txBox="1"/>
+          <p:nvPr/>
+        </p:nvSpPr>
+        <p:spPr>
+          <a:xfrm>
+            <a:off x="400931" y="1458470"/>
+            <a:ext cx="10056329" cy="3703538"/>
+          </a:xfrm>
+          <a:prstGeom prst="rect">
+            <a:avLst/>
+          </a:prstGeom>
+          <a:noFill/>
+          <a:ln>
+            <a:noFill/>
+          </a:ln>
+        </p:spPr>
+        <p:txBody>
+          <a:bodyPr spcFirstLastPara="1" wrap="square" lIns="91425" tIns="45700" rIns="91425" bIns="45700" anchor="t" anchorCtr="0">
+            <a:spAutoFit/>
+          </a:bodyPr>
+          <a:lstStyle/>
+          <a:p>
+            <a:pPr marL="0" marR="0" lvl="0" indent="0" algn="just" rtl="0">
+              <a:spcBef>
+                <a:spcPts val="0"/>
+              </a:spcBef>
+              <a:spcAft>
+                <a:spcPts val="0"/>
+              </a:spcAft>
+              <a:buNone/>
+            </a:pPr>
+            <a:r>
+              <a:rPr lang="en-US" altLang="zh-CN" sz="4400" b="1" baseline="30000" dirty="0">
+                <a:latin typeface="Poppins" panose="00000500000000000000" pitchFamily="2" charset="0"/>
+                <a:ea typeface="Calibri"/>
+                <a:cs typeface="Poppins" panose="00000500000000000000" pitchFamily="2" charset="0"/>
+                <a:sym typeface="Calibri"/>
+              </a:rPr>
+              <a:t>The solution to optimize the return values and conversion rate:</a:t>
+            </a:r>
+          </a:p>
+          <a:p>
+            <a:pPr marL="342900" marR="0" lvl="0" indent="-342900" algn="just" rtl="0">
+              <a:spcBef>
+                <a:spcPts val="0"/>
+              </a:spcBef>
+              <a:spcAft>
+                <a:spcPts val="0"/>
+              </a:spcAft>
+              <a:buFontTx/>
+              <a:buChar char="-"/>
+            </a:pPr>
+            <a:r>
+              <a:rPr lang="en-US" altLang="zh-CN" sz="4400" baseline="30000" dirty="0">
+                <a:latin typeface="Poppins" panose="00000500000000000000" pitchFamily="2" charset="0"/>
+                <a:ea typeface="Calibri"/>
+                <a:cs typeface="Poppins" panose="00000500000000000000" pitchFamily="2" charset="0"/>
+                <a:sym typeface="Calibri"/>
+              </a:rPr>
+              <a:t>Get the best value for Spent for using a Virtual Tracker and derivative</a:t>
+            </a:r>
+          </a:p>
+          <a:p>
+            <a:pPr marL="342900" marR="0" lvl="0" indent="-342900" algn="just" rtl="0">
+              <a:spcBef>
+                <a:spcPts val="0"/>
+              </a:spcBef>
+              <a:spcAft>
+                <a:spcPts val="0"/>
+              </a:spcAft>
+              <a:buFontTx/>
+              <a:buChar char="-"/>
+            </a:pPr>
+            <a:r>
+              <a:rPr lang="en-US" altLang="zh-CN" sz="4400" baseline="30000" dirty="0">
+                <a:latin typeface="Poppins" panose="00000500000000000000" pitchFamily="2" charset="0"/>
+                <a:ea typeface="Calibri"/>
+                <a:cs typeface="Poppins" panose="00000500000000000000" pitchFamily="2" charset="0"/>
+                <a:sym typeface="Calibri"/>
+              </a:rPr>
+              <a:t>Focus on the cluster of audience that have higher Click through Rate and Approval Rate</a:t>
+            </a:r>
+          </a:p>
+          <a:p>
+            <a:pPr marL="342900" marR="0" lvl="0" indent="-342900" algn="just" rtl="0">
+              <a:spcBef>
+                <a:spcPts val="0"/>
+              </a:spcBef>
+              <a:spcAft>
+                <a:spcPts val="0"/>
+              </a:spcAft>
+              <a:buFontTx/>
+              <a:buChar char="-"/>
+            </a:pPr>
+            <a:r>
+              <a:rPr lang="en-US" altLang="zh-CN" sz="4400" baseline="30000" dirty="0">
+                <a:latin typeface="Poppins" panose="00000500000000000000" pitchFamily="2" charset="0"/>
+                <a:ea typeface="Calibri"/>
+                <a:cs typeface="Poppins" panose="00000500000000000000" pitchFamily="2" charset="0"/>
+                <a:sym typeface="Calibri"/>
+              </a:rPr>
+              <a:t>The age group “30-34” are more likely to be converted from Impressions</a:t>
+            </a:r>
+          </a:p>
+        </p:txBody>
+      </p:sp>
+    </p:spTree>
+    <p:extLst>
+      <p:ext uri="{BB962C8B-B14F-4D97-AF65-F5344CB8AC3E}">
+        <p14:creationId xmlns:p14="http://schemas.microsoft.com/office/powerpoint/2010/main" val="4058460247"/>
+      </p:ext>
+    </p:extLst>
+  </p:cSld>
+  <p:clrMapOvr>
+    <a:masterClrMapping/>
+  </p:clrMapOvr>
+  <mc:AlternateContent xmlns:mc="http://schemas.openxmlformats.org/markup-compatibility/2006">
+    <mc:Choice xmlns:p159="http://schemas.microsoft.com/office/powerpoint/2015/09/main" Requires="p159">
+      <p:transition xmlns:p14="http://schemas.microsoft.com/office/powerpoint/2010/main" spd="slow" p14:dur="2000">
+        <p159:morph option="byObject"/>
+      </p:transition>
+    </mc:Choice>
+    <mc:Fallback>
+      <p:transition spd="slow">
+        <p:fade/>
+      </p:transition>
+    </mc:Fallback>
+  </mc:AlternateContent>
+</p:sld>
+</file>
+
 <file path=ppt/slides/slide3.xml><?xml version="1.0" encoding="utf-8"?>
 <p:sld xmlns:a="http://schemas.openxmlformats.org/drawingml/2006/main" xmlns:r="http://schemas.openxmlformats.org/officeDocument/2006/relationships" xmlns:p="http://schemas.openxmlformats.org/presentationml/2006/main">
   <p:cSld>
@@ -27438,7 +28853,7 @@
         </p:nvCxnSpPr>
         <p:spPr>
           <a:xfrm flipV="1">
-            <a:off x="30149" y="3645647"/>
+            <a:off x="15074" y="3671610"/>
             <a:ext cx="12161851" cy="115279"/>
           </a:xfrm>
           <a:prstGeom prst="line">
@@ -27476,14 +28891,14 @@
           </p:cNvPr>
           <p:cNvCxnSpPr>
             <a:cxnSpLocks/>
-            <a:endCxn id="5" idx="2"/>
+            <a:endCxn id="20" idx="0"/>
           </p:cNvCxnSpPr>
           <p:nvPr/>
         </p:nvCxnSpPr>
         <p:spPr>
-          <a:xfrm>
-            <a:off x="30149" y="3760926"/>
-            <a:ext cx="1899754" cy="0"/>
+          <a:xfrm flipV="1">
+            <a:off x="30149" y="3706370"/>
+            <a:ext cx="9007614" cy="54556"/>
           </a:xfrm>
           <a:prstGeom prst="line">
             <a:avLst/>
@@ -27994,8 +29409,8 @@
         </p:nvGrpSpPr>
         <p:grpSpPr>
           <a:xfrm>
-            <a:off x="8983193" y="3711329"/>
-            <a:ext cx="109140" cy="99194"/>
+            <a:off x="8983193" y="3706370"/>
+            <a:ext cx="109140" cy="109113"/>
             <a:chOff x="3538936" y="931069"/>
             <a:chExt cx="109140" cy="99194"/>
           </a:xfrm>
@@ -28288,6 +29703,370 @@
           </p:txBody>
         </p:sp>
       </p:grpSp>
+      <p:sp>
+        <p:nvSpPr>
+          <p:cNvPr id="26" name="TextBox 25">
+            <a:extLst>
+              <a:ext uri="{FF2B5EF4-FFF2-40B4-BE49-F238E27FC236}">
+                <a16:creationId xmlns:a16="http://schemas.microsoft.com/office/drawing/2014/main" id="{CD5F3A5B-AF49-6C1C-389A-796DFB6471E0}"/>
+              </a:ext>
+            </a:extLst>
+          </p:cNvPr>
+          <p:cNvSpPr txBox="1"/>
+          <p:nvPr/>
+        </p:nvSpPr>
+        <p:spPr>
+          <a:xfrm>
+            <a:off x="1137172" y="4056432"/>
+            <a:ext cx="2389798" cy="707886"/>
+          </a:xfrm>
+          <a:prstGeom prst="rect">
+            <a:avLst/>
+          </a:prstGeom>
+          <a:solidFill>
+            <a:schemeClr val="bg1"/>
+          </a:solidFill>
+        </p:spPr>
+        <p:txBody>
+          <a:bodyPr wrap="square" rtlCol="0">
+            <a:spAutoFit/>
+          </a:bodyPr>
+          <a:lstStyle/>
+          <a:p>
+            <a:r>
+              <a:rPr lang="en-US" altLang="zh-CN" sz="2000" b="1" spc="100" dirty="0">
+                <a:gradFill>
+                  <a:gsLst>
+                    <a:gs pos="0">
+                      <a:srgbClr val="BE264C"/>
+                    </a:gs>
+                    <a:gs pos="74000">
+                      <a:schemeClr val="accent1">
+                        <a:lumMod val="45000"/>
+                        <a:lumOff val="55000"/>
+                      </a:schemeClr>
+                    </a:gs>
+                    <a:gs pos="83000">
+                      <a:schemeClr val="accent1">
+                        <a:lumMod val="45000"/>
+                        <a:lumOff val="55000"/>
+                      </a:schemeClr>
+                    </a:gs>
+                    <a:gs pos="100000">
+                      <a:srgbClr val="92AEB9"/>
+                    </a:gs>
+                  </a:gsLst>
+                  <a:lin ang="5400000" scaled="1"/>
+                </a:gradFill>
+                <a:latin typeface="Poppins" panose="00000500000000000000" pitchFamily="2" charset="0"/>
+                <a:ea typeface="Roboto" panose="02000000000000000000" pitchFamily="2" charset="0"/>
+                <a:cs typeface="Poppins" panose="00000500000000000000" pitchFamily="2" charset="0"/>
+              </a:rPr>
+              <a:t>Data Collecting</a:t>
+            </a:r>
+            <a:endParaRPr lang="zh-CN" altLang="en-US" sz="2000" b="1" spc="100" dirty="0">
+              <a:gradFill>
+                <a:gsLst>
+                  <a:gs pos="0">
+                    <a:srgbClr val="BE264C"/>
+                  </a:gs>
+                  <a:gs pos="74000">
+                    <a:schemeClr val="accent1">
+                      <a:lumMod val="45000"/>
+                      <a:lumOff val="55000"/>
+                    </a:schemeClr>
+                  </a:gs>
+                  <a:gs pos="83000">
+                    <a:schemeClr val="accent1">
+                      <a:lumMod val="45000"/>
+                      <a:lumOff val="55000"/>
+                    </a:schemeClr>
+                  </a:gs>
+                  <a:gs pos="100000">
+                    <a:srgbClr val="92AEB9"/>
+                  </a:gs>
+                </a:gsLst>
+                <a:lin ang="5400000" scaled="1"/>
+              </a:gradFill>
+              <a:latin typeface="Poppins" panose="00000500000000000000" pitchFamily="2" charset="0"/>
+              <a:cs typeface="Poppins" panose="00000500000000000000" pitchFamily="2" charset="0"/>
+            </a:endParaRPr>
+          </a:p>
+        </p:txBody>
+      </p:sp>
+      <p:sp>
+        <p:nvSpPr>
+          <p:cNvPr id="30" name="TextBox 29">
+            <a:extLst>
+              <a:ext uri="{FF2B5EF4-FFF2-40B4-BE49-F238E27FC236}">
+                <a16:creationId xmlns:a16="http://schemas.microsoft.com/office/drawing/2014/main" id="{923981B5-809D-8839-9901-E88B72C0CAEE}"/>
+              </a:ext>
+            </a:extLst>
+          </p:cNvPr>
+          <p:cNvSpPr txBox="1"/>
+          <p:nvPr/>
+        </p:nvSpPr>
+        <p:spPr>
+          <a:xfrm>
+            <a:off x="3300594" y="4020997"/>
+            <a:ext cx="1800893" cy="707886"/>
+          </a:xfrm>
+          <a:prstGeom prst="rect">
+            <a:avLst/>
+          </a:prstGeom>
+          <a:solidFill>
+            <a:schemeClr val="bg1"/>
+          </a:solidFill>
+        </p:spPr>
+        <p:txBody>
+          <a:bodyPr wrap="square" rtlCol="0">
+            <a:spAutoFit/>
+          </a:bodyPr>
+          <a:lstStyle/>
+          <a:p>
+            <a:r>
+              <a:rPr lang="en-US" altLang="zh-CN" sz="2000" b="1" spc="100" dirty="0">
+                <a:gradFill>
+                  <a:gsLst>
+                    <a:gs pos="0">
+                      <a:srgbClr val="BE264C"/>
+                    </a:gs>
+                    <a:gs pos="74000">
+                      <a:schemeClr val="accent1">
+                        <a:lumMod val="45000"/>
+                        <a:lumOff val="55000"/>
+                      </a:schemeClr>
+                    </a:gs>
+                    <a:gs pos="83000">
+                      <a:schemeClr val="accent1">
+                        <a:lumMod val="45000"/>
+                        <a:lumOff val="55000"/>
+                      </a:schemeClr>
+                    </a:gs>
+                    <a:gs pos="100000">
+                      <a:srgbClr val="92AEB9"/>
+                    </a:gs>
+                  </a:gsLst>
+                  <a:lin ang="5400000" scaled="1"/>
+                </a:gradFill>
+                <a:latin typeface="Poppins" panose="00000500000000000000" pitchFamily="2" charset="0"/>
+                <a:ea typeface="Roboto" panose="02000000000000000000" pitchFamily="2" charset="0"/>
+                <a:cs typeface="Poppins" panose="00000500000000000000" pitchFamily="2" charset="0"/>
+              </a:rPr>
+              <a:t>Sanity Check</a:t>
+            </a:r>
+            <a:endParaRPr lang="zh-CN" altLang="en-US" sz="2000" b="1" spc="100" dirty="0">
+              <a:gradFill>
+                <a:gsLst>
+                  <a:gs pos="0">
+                    <a:srgbClr val="BE264C"/>
+                  </a:gs>
+                  <a:gs pos="74000">
+                    <a:schemeClr val="accent1">
+                      <a:lumMod val="45000"/>
+                      <a:lumOff val="55000"/>
+                    </a:schemeClr>
+                  </a:gs>
+                  <a:gs pos="83000">
+                    <a:schemeClr val="accent1">
+                      <a:lumMod val="45000"/>
+                      <a:lumOff val="55000"/>
+                    </a:schemeClr>
+                  </a:gs>
+                  <a:gs pos="100000">
+                    <a:srgbClr val="92AEB9"/>
+                  </a:gs>
+                </a:gsLst>
+                <a:lin ang="5400000" scaled="1"/>
+              </a:gradFill>
+              <a:latin typeface="Poppins" panose="00000500000000000000" pitchFamily="2" charset="0"/>
+              <a:cs typeface="Poppins" panose="00000500000000000000" pitchFamily="2" charset="0"/>
+            </a:endParaRPr>
+          </a:p>
+        </p:txBody>
+      </p:sp>
+      <p:sp>
+        <p:nvSpPr>
+          <p:cNvPr id="31" name="TextBox 30">
+            <a:extLst>
+              <a:ext uri="{FF2B5EF4-FFF2-40B4-BE49-F238E27FC236}">
+                <a16:creationId xmlns:a16="http://schemas.microsoft.com/office/drawing/2014/main" id="{7F963020-3439-7E1E-BF7C-E9024189E81E}"/>
+              </a:ext>
+            </a:extLst>
+          </p:cNvPr>
+          <p:cNvSpPr txBox="1"/>
+          <p:nvPr/>
+        </p:nvSpPr>
+        <p:spPr>
+          <a:xfrm>
+            <a:off x="4881675" y="3995034"/>
+            <a:ext cx="1976042" cy="1015663"/>
+          </a:xfrm>
+          <a:prstGeom prst="rect">
+            <a:avLst/>
+          </a:prstGeom>
+          <a:solidFill>
+            <a:schemeClr val="bg1"/>
+          </a:solidFill>
+        </p:spPr>
+        <p:txBody>
+          <a:bodyPr wrap="square" rtlCol="0">
+            <a:spAutoFit/>
+          </a:bodyPr>
+          <a:lstStyle/>
+          <a:p>
+            <a:r>
+              <a:rPr lang="en-US" altLang="zh-CN" sz="2000" b="1" spc="100" dirty="0">
+                <a:gradFill>
+                  <a:gsLst>
+                    <a:gs pos="0">
+                      <a:srgbClr val="BE264C"/>
+                    </a:gs>
+                    <a:gs pos="74000">
+                      <a:schemeClr val="accent1">
+                        <a:lumMod val="45000"/>
+                        <a:lumOff val="55000"/>
+                      </a:schemeClr>
+                    </a:gs>
+                    <a:gs pos="83000">
+                      <a:schemeClr val="accent1">
+                        <a:lumMod val="45000"/>
+                        <a:lumOff val="55000"/>
+                      </a:schemeClr>
+                    </a:gs>
+                    <a:gs pos="100000">
+                      <a:srgbClr val="92AEB9"/>
+                    </a:gs>
+                  </a:gsLst>
+                  <a:lin ang="5400000" scaled="1"/>
+                </a:gradFill>
+                <a:latin typeface="Poppins" panose="00000500000000000000" pitchFamily="2" charset="0"/>
+                <a:ea typeface="Roboto" panose="02000000000000000000" pitchFamily="2" charset="0"/>
+                <a:cs typeface="Poppins" panose="00000500000000000000" pitchFamily="2" charset="0"/>
+              </a:rPr>
+              <a:t>Exploratory Data Analysis</a:t>
+            </a:r>
+            <a:endParaRPr lang="zh-CN" altLang="en-US" sz="2000" b="1" spc="100" dirty="0">
+              <a:gradFill>
+                <a:gsLst>
+                  <a:gs pos="0">
+                    <a:srgbClr val="BE264C"/>
+                  </a:gs>
+                  <a:gs pos="74000">
+                    <a:schemeClr val="accent1">
+                      <a:lumMod val="45000"/>
+                      <a:lumOff val="55000"/>
+                    </a:schemeClr>
+                  </a:gs>
+                  <a:gs pos="83000">
+                    <a:schemeClr val="accent1">
+                      <a:lumMod val="45000"/>
+                      <a:lumOff val="55000"/>
+                    </a:schemeClr>
+                  </a:gs>
+                  <a:gs pos="100000">
+                    <a:srgbClr val="92AEB9"/>
+                  </a:gs>
+                </a:gsLst>
+                <a:lin ang="5400000" scaled="1"/>
+              </a:gradFill>
+              <a:latin typeface="Poppins" panose="00000500000000000000" pitchFamily="2" charset="0"/>
+              <a:cs typeface="Poppins" panose="00000500000000000000" pitchFamily="2" charset="0"/>
+            </a:endParaRPr>
+          </a:p>
+        </p:txBody>
+      </p:sp>
+      <p:sp>
+        <p:nvSpPr>
+          <p:cNvPr id="32" name="TextBox 31">
+            <a:extLst>
+              <a:ext uri="{FF2B5EF4-FFF2-40B4-BE49-F238E27FC236}">
+                <a16:creationId xmlns:a16="http://schemas.microsoft.com/office/drawing/2014/main" id="{ACACF5A1-618B-3DBB-B3E5-35115FE5EF89}"/>
+              </a:ext>
+            </a:extLst>
+          </p:cNvPr>
+          <p:cNvSpPr txBox="1"/>
+          <p:nvPr/>
+        </p:nvSpPr>
+        <p:spPr>
+          <a:xfrm>
+            <a:off x="6886745" y="4032417"/>
+            <a:ext cx="1800893" cy="707886"/>
+          </a:xfrm>
+          <a:prstGeom prst="rect">
+            <a:avLst/>
+          </a:prstGeom>
+          <a:solidFill>
+            <a:schemeClr val="bg1"/>
+          </a:solidFill>
+        </p:spPr>
+        <p:txBody>
+          <a:bodyPr wrap="square" rtlCol="0">
+            <a:spAutoFit/>
+          </a:bodyPr>
+          <a:lstStyle/>
+          <a:p>
+            <a:r>
+              <a:rPr lang="en-US" altLang="zh-CN" sz="2000" b="1" spc="100" dirty="0">
+                <a:gradFill>
+                  <a:gsLst>
+                    <a:gs pos="0">
+                      <a:srgbClr val="BE264C"/>
+                    </a:gs>
+                    <a:gs pos="74000">
+                      <a:schemeClr val="accent1">
+                        <a:lumMod val="45000"/>
+                        <a:lumOff val="55000"/>
+                      </a:schemeClr>
+                    </a:gs>
+                    <a:gs pos="83000">
+                      <a:schemeClr val="accent1">
+                        <a:lumMod val="45000"/>
+                        <a:lumOff val="55000"/>
+                      </a:schemeClr>
+                    </a:gs>
+                    <a:gs pos="100000">
+                      <a:srgbClr val="92AEB9"/>
+                    </a:gs>
+                  </a:gsLst>
+                  <a:lin ang="5400000" scaled="1"/>
+                </a:gradFill>
+                <a:latin typeface="Poppins" panose="00000500000000000000" pitchFamily="2" charset="0"/>
+                <a:ea typeface="Roboto" panose="02000000000000000000" pitchFamily="2" charset="0"/>
+                <a:cs typeface="Poppins" panose="00000500000000000000" pitchFamily="2" charset="0"/>
+              </a:rPr>
+              <a:t>ML and Testing</a:t>
+            </a:r>
+            <a:endParaRPr lang="zh-CN" altLang="en-US" sz="2000" b="1" spc="100" dirty="0">
+              <a:gradFill>
+                <a:gsLst>
+                  <a:gs pos="0">
+                    <a:srgbClr val="BE264C"/>
+                  </a:gs>
+                  <a:gs pos="74000">
+                    <a:schemeClr val="accent1">
+                      <a:lumMod val="45000"/>
+                      <a:lumOff val="55000"/>
+                    </a:schemeClr>
+                  </a:gs>
+                  <a:gs pos="83000">
+                    <a:schemeClr val="accent1">
+                      <a:lumMod val="45000"/>
+                      <a:lumOff val="55000"/>
+                    </a:schemeClr>
+                  </a:gs>
+                  <a:gs pos="100000">
+                    <a:srgbClr val="92AEB9"/>
+                  </a:gs>
+                </a:gsLst>
+                <a:lin ang="5400000" scaled="1"/>
+              </a:gradFill>
+              <a:latin typeface="Poppins" panose="00000500000000000000" pitchFamily="2" charset="0"/>
+              <a:cs typeface="Poppins" panose="00000500000000000000" pitchFamily="2" charset="0"/>
+            </a:endParaRPr>
+          </a:p>
+        </p:txBody>
+      </p:sp>
     </p:spTree>
     <p:extLst>
       <p:ext uri="{BB962C8B-B14F-4D97-AF65-F5344CB8AC3E}">

--- a/Group8-BusinessAnalysis-CapstoneProject-Slides.pptx
+++ b/Group8-BusinessAnalysis-CapstoneProject-Slides.pptx
@@ -5,7 +5,7 @@
     <p:sldMasterId id="2147483648" r:id="rId1"/>
   </p:sldMasterIdLst>
   <p:notesMasterIdLst>
-    <p:notesMasterId r:id="rId22"/>
+    <p:notesMasterId r:id="rId21"/>
   </p:notesMasterIdLst>
   <p:sldIdLst>
     <p:sldId id="256" r:id="rId2"/>
@@ -27,7 +27,6 @@
     <p:sldId id="270" r:id="rId18"/>
     <p:sldId id="274" r:id="rId19"/>
     <p:sldId id="271" r:id="rId20"/>
-    <p:sldId id="278" r:id="rId21"/>
   </p:sldIdLst>
   <p:sldSz cx="12192000" cy="6858000"/>
   <p:notesSz cx="6858000" cy="9144000"/>
@@ -178,7 +177,6 @@
             <p14:sldId id="270"/>
             <p14:sldId id="274"/>
             <p14:sldId id="271"/>
-            <p14:sldId id="278"/>
           </p14:sldIdLst>
         </p14:section>
       </p14:sectionLst>
@@ -1471,126 +1469,6 @@
 </p:notes>
 </file>
 
-<file path=ppt/notesSlides/notesSlide18.xml><?xml version="1.0" encoding="utf-8"?>
-<p:notes xmlns:a="http://schemas.openxmlformats.org/drawingml/2006/main" xmlns:r="http://schemas.openxmlformats.org/officeDocument/2006/relationships" xmlns:p="http://schemas.openxmlformats.org/presentationml/2006/main">
-  <p:cSld>
-    <p:spTree>
-      <p:nvGrpSpPr>
-        <p:cNvPr id="1" name=""/>
-        <p:cNvGrpSpPr/>
-        <p:nvPr/>
-      </p:nvGrpSpPr>
-      <p:grpSpPr>
-        <a:xfrm>
-          <a:off x="0" y="0"/>
-          <a:ext cx="0" cy="0"/>
-          <a:chOff x="0" y="0"/>
-          <a:chExt cx="0" cy="0"/>
-        </a:xfrm>
-      </p:grpSpPr>
-      <p:sp>
-        <p:nvSpPr>
-          <p:cNvPr id="2" name="Slide Image Placeholder 1"/>
-          <p:cNvSpPr>
-            <a:spLocks noGrp="1" noRot="1" noChangeAspect="1"/>
-          </p:cNvSpPr>
-          <p:nvPr>
-            <p:ph type="sldImg"/>
-          </p:nvPr>
-        </p:nvSpPr>
-        <p:spPr/>
-      </p:sp>
-      <p:sp>
-        <p:nvSpPr>
-          <p:cNvPr id="3" name="Notes Placeholder 2"/>
-          <p:cNvSpPr>
-            <a:spLocks noGrp="1"/>
-          </p:cNvSpPr>
-          <p:nvPr>
-            <p:ph type="body" idx="1"/>
-          </p:nvPr>
-        </p:nvSpPr>
-        <p:spPr/>
-        <p:txBody>
-          <a:bodyPr/>
-          <a:lstStyle/>
-          <a:p>
-            <a:r>
-              <a:rPr lang="en-US" altLang="zh-CN" dirty="0">
-                <a:solidFill>
-                  <a:srgbClr val="252525"/>
-                </a:solidFill>
-                <a:effectLst/>
-              </a:rPr>
-              <a:t>We use the well-known K-means algorithm for clustering.</a:t>
-            </a:r>
-          </a:p>
-          <a:p>
-            <a:r>
-              <a:rPr lang="en-US" altLang="zh-CN" dirty="0">
-                <a:solidFill>
-                  <a:srgbClr val="252525"/>
-                </a:solidFill>
-                <a:effectLst/>
-              </a:rPr>
-              <a:t>For CTR and CPC, we clustered and got two clusters: the cluster with higher CTR and lower CPC corresponded to audiences that had actually clicked on the ads, and the remaining corresponded to those that hadn’t.</a:t>
-            </a:r>
-          </a:p>
-          <a:p>
-            <a:r>
-              <a:rPr lang="en-US" altLang="zh-CN" dirty="0">
-                <a:solidFill>
-                  <a:srgbClr val="252525"/>
-                </a:solidFill>
-                <a:effectLst/>
-              </a:rPr>
-              <a:t>For approval rate, we get three audience clusters that correspond to different levels of approval percent.</a:t>
-            </a:r>
-          </a:p>
-          <a:p>
-            <a:endParaRPr lang="en-US" altLang="zh-CN" dirty="0"/>
-          </a:p>
-          <a:p>
-            <a:endParaRPr lang="zh-CN" altLang="en-US" dirty="0"/>
-          </a:p>
-        </p:txBody>
-      </p:sp>
-      <p:sp>
-        <p:nvSpPr>
-          <p:cNvPr id="4" name="Slide Number Placeholder 3"/>
-          <p:cNvSpPr>
-            <a:spLocks noGrp="1"/>
-          </p:cNvSpPr>
-          <p:nvPr>
-            <p:ph type="sldNum" sz="quarter" idx="5"/>
-          </p:nvPr>
-        </p:nvSpPr>
-        <p:spPr/>
-        <p:txBody>
-          <a:bodyPr/>
-          <a:lstStyle/>
-          <a:p>
-            <a:fld id="{6CD72B16-65A7-409F-B62E-6A2D708ECC59}" type="slidenum">
-              <a:rPr lang="zh-CN" altLang="en-US" smtClean="0"/>
-              <a:t>20</a:t>
-            </a:fld>
-            <a:endParaRPr lang="zh-CN" altLang="en-US"/>
-          </a:p>
-        </p:txBody>
-      </p:sp>
-    </p:spTree>
-    <p:extLst>
-      <p:ext uri="{BB962C8B-B14F-4D97-AF65-F5344CB8AC3E}">
-        <p14:creationId xmlns:p14="http://schemas.microsoft.com/office/powerpoint/2010/main" val="1150976553"/>
-      </p:ext>
-    </p:extLst>
-  </p:cSld>
-  <p:clrMapOvr>
-    <a:masterClrMapping/>
-  </p:clrMapOvr>
-</p:notes>
-</file>
-
 <file path=ppt/notesSlides/notesSlide2.xml><?xml version="1.0" encoding="utf-8"?>
 <p:notes xmlns:a="http://schemas.openxmlformats.org/drawingml/2006/main" xmlns:r="http://schemas.openxmlformats.org/officeDocument/2006/relationships" xmlns:p="http://schemas.openxmlformats.org/presentationml/2006/main">
   <p:cSld>
@@ -2309,18 +2187,7 @@
                 </a:solidFill>
                 <a:effectLst/>
               </a:rPr>
-              <a:t>However, the definition of the data was so vague that it's hard to generalize for all cases. </a:t>
-            </a:r>
-          </a:p>
-          <a:p>
-            <a:r>
-              <a:rPr lang="en-US" altLang="zh-CN" dirty="0">
-                <a:solidFill>
-                  <a:srgbClr val="252525"/>
-                </a:solidFill>
-                <a:effectLst/>
-              </a:rPr>
-              <a:t>At the beginning, we inferred some constraints from the definition of the anonymous provider. It is straightforward that if no money was paid, then the return values should be zero. </a:t>
+              <a:t>However, the definition of the data was so vague that it's hard to generalize for all cases. At the beginning, we inferred some constraints from the definition of the anonymous provider. It is straightforward that if no money was paid, then the return values should be zero. </a:t>
             </a:r>
             <a:r>
               <a:rPr lang="en-US" altLang="zh-CN" dirty="0" err="1">
@@ -20514,14 +20381,14 @@
           </p:cNvPr>
           <p:cNvCxnSpPr>
             <a:cxnSpLocks/>
-            <a:endCxn id="31" idx="5"/>
+            <a:endCxn id="12" idx="2"/>
           </p:cNvCxnSpPr>
           <p:nvPr/>
         </p:nvCxnSpPr>
         <p:spPr>
           <a:xfrm>
             <a:off x="2617961" y="527655"/>
-            <a:ext cx="7278265" cy="36309"/>
+            <a:ext cx="1899754" cy="0"/>
           </a:xfrm>
           <a:prstGeom prst="line">
             <a:avLst/>
@@ -22810,14 +22677,14 @@
           </p:cNvPr>
           <p:cNvCxnSpPr>
             <a:cxnSpLocks/>
-            <a:endCxn id="31" idx="2"/>
+            <a:endCxn id="12" idx="2"/>
           </p:cNvCxnSpPr>
           <p:nvPr/>
         </p:nvCxnSpPr>
         <p:spPr>
           <a:xfrm>
             <a:off x="2617961" y="527655"/>
-            <a:ext cx="7185108" cy="1239"/>
+            <a:ext cx="1899754" cy="0"/>
           </a:xfrm>
           <a:prstGeom prst="line">
             <a:avLst/>
@@ -24581,7 +24448,19 @@
                 <a:cs typeface="Poppins" panose="00000500000000000000" pitchFamily="2" charset="0"/>
                 <a:sym typeface="Calibri"/>
               </a:rPr>
-              <a:t>Adding Conversion Features</a:t>
+              <a:t>Adding </a:t>
+            </a:r>
+            <a:r>
+              <a:rPr lang="en-US" altLang="zh-CN" b="1">
+                <a:solidFill>
+                  <a:sysClr val="windowText" lastClr="000000"/>
+                </a:solidFill>
+                <a:latin typeface="Poppins" panose="00000500000000000000" pitchFamily="2" charset="0"/>
+                <a:ea typeface="Calibri"/>
+                <a:cs typeface="Poppins" panose="00000500000000000000" pitchFamily="2" charset="0"/>
+                <a:sym typeface="Calibri"/>
+              </a:rPr>
+              <a:t>Conversion Features</a:t>
             </a:r>
             <a:endParaRPr lang="en-US" altLang="zh-CN" b="1" baseline="30000" dirty="0">
               <a:latin typeface="Poppins" panose="00000500000000000000" pitchFamily="2" charset="0"/>
@@ -25033,14 +24912,14 @@
           </p:cNvPr>
           <p:cNvCxnSpPr>
             <a:cxnSpLocks/>
-            <a:endCxn id="27" idx="1"/>
+            <a:endCxn id="30" idx="6"/>
           </p:cNvCxnSpPr>
           <p:nvPr/>
         </p:nvCxnSpPr>
         <p:spPr>
-          <a:xfrm flipV="1">
-            <a:off x="2617961" y="503522"/>
-            <a:ext cx="8982076" cy="24133"/>
+          <a:xfrm>
+            <a:off x="2617961" y="527655"/>
+            <a:ext cx="7275793" cy="1239"/>
           </a:xfrm>
           <a:prstGeom prst="line">
             <a:avLst/>
@@ -26406,1300 +26285,6 @@
 </p:sld>
 </file>
 
-<file path=ppt/slides/slide20.xml><?xml version="1.0" encoding="utf-8"?>
-<p:sld xmlns:a="http://schemas.openxmlformats.org/drawingml/2006/main" xmlns:r="http://schemas.openxmlformats.org/officeDocument/2006/relationships" xmlns:p="http://schemas.openxmlformats.org/presentationml/2006/main">
-  <p:cSld>
-    <p:spTree>
-      <p:nvGrpSpPr>
-        <p:cNvPr id="1" name=""/>
-        <p:cNvGrpSpPr/>
-        <p:nvPr/>
-      </p:nvGrpSpPr>
-      <p:grpSpPr>
-        <a:xfrm>
-          <a:off x="0" y="0"/>
-          <a:ext cx="0" cy="0"/>
-          <a:chOff x="0" y="0"/>
-          <a:chExt cx="0" cy="0"/>
-        </a:xfrm>
-      </p:grpSpPr>
-      <p:pic>
-        <p:nvPicPr>
-          <p:cNvPr id="8" name="Picture 7">
-            <a:extLst>
-              <a:ext uri="{FF2B5EF4-FFF2-40B4-BE49-F238E27FC236}">
-                <a16:creationId xmlns:a16="http://schemas.microsoft.com/office/drawing/2014/main" id="{5C582561-6421-DBEA-85DA-A2B5DF5EF44E}"/>
-              </a:ext>
-            </a:extLst>
-          </p:cNvPr>
-          <p:cNvPicPr>
-            <a:picLocks noChangeAspect="1"/>
-          </p:cNvPicPr>
-          <p:nvPr/>
-        </p:nvPicPr>
-        <p:blipFill>
-          <a:blip r:embed="rId3"/>
-          <a:stretch>
-            <a:fillRect/>
-          </a:stretch>
-        </p:blipFill>
-        <p:spPr>
-          <a:xfrm>
-            <a:off x="-304800" y="-1465960"/>
-            <a:ext cx="4664475" cy="751585"/>
-          </a:xfrm>
-          <a:prstGeom prst="rect">
-            <a:avLst/>
-          </a:prstGeom>
-        </p:spPr>
-      </p:pic>
-      <p:pic>
-        <p:nvPicPr>
-          <p:cNvPr id="10" name="Picture 9">
-            <a:extLst>
-              <a:ext uri="{FF2B5EF4-FFF2-40B4-BE49-F238E27FC236}">
-                <a16:creationId xmlns:a16="http://schemas.microsoft.com/office/drawing/2014/main" id="{CC90BEFF-AEEE-3DA2-47C3-6C3987FF91A8}"/>
-              </a:ext>
-            </a:extLst>
-          </p:cNvPr>
-          <p:cNvPicPr>
-            <a:picLocks noChangeAspect="1"/>
-          </p:cNvPicPr>
-          <p:nvPr/>
-        </p:nvPicPr>
-        <p:blipFill>
-          <a:blip r:embed="rId4"/>
-          <a:stretch>
-            <a:fillRect/>
-          </a:stretch>
-        </p:blipFill>
-        <p:spPr>
-          <a:xfrm>
-            <a:off x="4969275" y="-1662349"/>
-            <a:ext cx="4823514" cy="947974"/>
-          </a:xfrm>
-          <a:prstGeom prst="rect">
-            <a:avLst/>
-          </a:prstGeom>
-        </p:spPr>
-      </p:pic>
-      <p:pic>
-        <p:nvPicPr>
-          <p:cNvPr id="14" name="Picture 13">
-            <a:extLst>
-              <a:ext uri="{FF2B5EF4-FFF2-40B4-BE49-F238E27FC236}">
-                <a16:creationId xmlns:a16="http://schemas.microsoft.com/office/drawing/2014/main" id="{1D552063-4553-BE9B-63D6-996BDBFE48A3}"/>
-              </a:ext>
-            </a:extLst>
-          </p:cNvPr>
-          <p:cNvPicPr>
-            <a:picLocks noChangeAspect="1"/>
-          </p:cNvPicPr>
-          <p:nvPr/>
-        </p:nvPicPr>
-        <p:blipFill>
-          <a:blip r:embed="rId5"/>
-          <a:stretch>
-            <a:fillRect/>
-          </a:stretch>
-        </p:blipFill>
-        <p:spPr>
-          <a:xfrm>
-            <a:off x="10167614" y="-2756778"/>
-            <a:ext cx="4639322" cy="2581635"/>
-          </a:xfrm>
-          <a:prstGeom prst="rect">
-            <a:avLst/>
-          </a:prstGeom>
-        </p:spPr>
-      </p:pic>
-      <p:pic>
-        <p:nvPicPr>
-          <p:cNvPr id="16" name="Picture 15">
-            <a:extLst>
-              <a:ext uri="{FF2B5EF4-FFF2-40B4-BE49-F238E27FC236}">
-                <a16:creationId xmlns:a16="http://schemas.microsoft.com/office/drawing/2014/main" id="{5F57270A-2F81-ACE9-DA8F-DFEC2944A118}"/>
-              </a:ext>
-            </a:extLst>
-          </p:cNvPr>
-          <p:cNvPicPr>
-            <a:picLocks noChangeAspect="1"/>
-          </p:cNvPicPr>
-          <p:nvPr/>
-        </p:nvPicPr>
-        <p:blipFill>
-          <a:blip r:embed="rId6"/>
-          <a:stretch>
-            <a:fillRect/>
-          </a:stretch>
-        </p:blipFill>
-        <p:spPr>
-          <a:xfrm>
-            <a:off x="-1200765" y="7229365"/>
-            <a:ext cx="6748564" cy="1209786"/>
-          </a:xfrm>
-          <a:prstGeom prst="rect">
-            <a:avLst/>
-          </a:prstGeom>
-        </p:spPr>
-      </p:pic>
-      <p:pic>
-        <p:nvPicPr>
-          <p:cNvPr id="18" name="Picture 17">
-            <a:extLst>
-              <a:ext uri="{FF2B5EF4-FFF2-40B4-BE49-F238E27FC236}">
-                <a16:creationId xmlns:a16="http://schemas.microsoft.com/office/drawing/2014/main" id="{0B13F656-B4CB-D31F-9FF7-FCE9F12F3603}"/>
-              </a:ext>
-            </a:extLst>
-          </p:cNvPr>
-          <p:cNvPicPr>
-            <a:picLocks noChangeAspect="1"/>
-          </p:cNvPicPr>
-          <p:nvPr/>
-        </p:nvPicPr>
-        <p:blipFill>
-          <a:blip r:embed="rId7"/>
-          <a:stretch>
-            <a:fillRect/>
-          </a:stretch>
-        </p:blipFill>
-        <p:spPr>
-          <a:xfrm>
-            <a:off x="5638800" y="7329572"/>
-            <a:ext cx="6353854" cy="1038252"/>
-          </a:xfrm>
-          <a:prstGeom prst="rect">
-            <a:avLst/>
-          </a:prstGeom>
-        </p:spPr>
-      </p:pic>
-      <p:pic>
-        <p:nvPicPr>
-          <p:cNvPr id="24" name="Picture 23">
-            <a:extLst>
-              <a:ext uri="{FF2B5EF4-FFF2-40B4-BE49-F238E27FC236}">
-                <a16:creationId xmlns:a16="http://schemas.microsoft.com/office/drawing/2014/main" id="{40167365-A887-8107-7FDB-ACF56EEBBC21}"/>
-              </a:ext>
-            </a:extLst>
-          </p:cNvPr>
-          <p:cNvPicPr>
-            <a:picLocks noChangeAspect="1"/>
-          </p:cNvPicPr>
-          <p:nvPr/>
-        </p:nvPicPr>
-        <p:blipFill>
-          <a:blip r:embed="rId8"/>
-          <a:stretch>
-            <a:fillRect/>
-          </a:stretch>
-        </p:blipFill>
-        <p:spPr>
-          <a:xfrm>
-            <a:off x="-2496173" y="-2756778"/>
-            <a:ext cx="6782424" cy="1026764"/>
-          </a:xfrm>
-          <a:prstGeom prst="rect">
-            <a:avLst/>
-          </a:prstGeom>
-        </p:spPr>
-      </p:pic>
-      <p:cxnSp>
-        <p:nvCxnSpPr>
-          <p:cNvPr id="4" name="Straight Connector 3">
-            <a:extLst>
-              <a:ext uri="{FF2B5EF4-FFF2-40B4-BE49-F238E27FC236}">
-                <a16:creationId xmlns:a16="http://schemas.microsoft.com/office/drawing/2014/main" id="{E4D4FE53-C2F4-CE0A-84C2-632A94DD5BC4}"/>
-              </a:ext>
-            </a:extLst>
-          </p:cNvPr>
-          <p:cNvCxnSpPr>
-            <a:cxnSpLocks/>
-          </p:cNvCxnSpPr>
-          <p:nvPr/>
-        </p:nvCxnSpPr>
-        <p:spPr>
-          <a:xfrm>
-            <a:off x="2617961" y="527655"/>
-            <a:ext cx="9022497" cy="0"/>
-          </a:xfrm>
-          <a:prstGeom prst="line">
-            <a:avLst/>
-          </a:prstGeom>
-          <a:ln w="19050">
-            <a:solidFill>
-              <a:srgbClr val="E6E6E6"/>
-            </a:solidFill>
-          </a:ln>
-        </p:spPr>
-        <p:style>
-          <a:lnRef idx="1">
-            <a:schemeClr val="accent1"/>
-          </a:lnRef>
-          <a:fillRef idx="0">
-            <a:schemeClr val="accent1"/>
-          </a:fillRef>
-          <a:effectRef idx="0">
-            <a:schemeClr val="accent1"/>
-          </a:effectRef>
-          <a:fontRef idx="minor">
-            <a:schemeClr val="tx1"/>
-          </a:fontRef>
-        </p:style>
-      </p:cxnSp>
-      <p:cxnSp>
-        <p:nvCxnSpPr>
-          <p:cNvPr id="2" name="Straight Connector 1">
-            <a:extLst>
-              <a:ext uri="{FF2B5EF4-FFF2-40B4-BE49-F238E27FC236}">
-                <a16:creationId xmlns:a16="http://schemas.microsoft.com/office/drawing/2014/main" id="{1050BFB4-3834-861C-2C52-D15384D38988}"/>
-              </a:ext>
-            </a:extLst>
-          </p:cNvPr>
-          <p:cNvCxnSpPr>
-            <a:cxnSpLocks/>
-            <a:endCxn id="27" idx="1"/>
-          </p:cNvCxnSpPr>
-          <p:nvPr/>
-        </p:nvCxnSpPr>
-        <p:spPr>
-          <a:xfrm flipV="1">
-            <a:off x="2617961" y="503522"/>
-            <a:ext cx="8982076" cy="24133"/>
-          </a:xfrm>
-          <a:prstGeom prst="line">
-            <a:avLst/>
-          </a:prstGeom>
-          <a:ln w="19050">
-            <a:gradFill flip="none" rotWithShape="1">
-              <a:gsLst>
-                <a:gs pos="0">
-                  <a:srgbClr val="BE264C"/>
-                </a:gs>
-                <a:gs pos="100000">
-                  <a:srgbClr val="92AEB9"/>
-                </a:gs>
-              </a:gsLst>
-              <a:lin ang="2700000" scaled="1"/>
-              <a:tileRect/>
-            </a:gradFill>
-          </a:ln>
-        </p:spPr>
-        <p:style>
-          <a:lnRef idx="1">
-            <a:schemeClr val="accent1"/>
-          </a:lnRef>
-          <a:fillRef idx="0">
-            <a:schemeClr val="accent1"/>
-          </a:fillRef>
-          <a:effectRef idx="0">
-            <a:schemeClr val="accent1"/>
-          </a:effectRef>
-          <a:fontRef idx="minor">
-            <a:schemeClr val="tx1"/>
-          </a:fontRef>
-        </p:style>
-      </p:cxnSp>
-      <p:grpSp>
-        <p:nvGrpSpPr>
-          <p:cNvPr id="15" name="Group 14">
-            <a:extLst>
-              <a:ext uri="{FF2B5EF4-FFF2-40B4-BE49-F238E27FC236}">
-                <a16:creationId xmlns:a16="http://schemas.microsoft.com/office/drawing/2014/main" id="{4D06FE4F-17CC-AEC7-59D7-3CD79374A17D}"/>
-              </a:ext>
-            </a:extLst>
-          </p:cNvPr>
-          <p:cNvGrpSpPr/>
-          <p:nvPr/>
-        </p:nvGrpSpPr>
-        <p:grpSpPr>
-          <a:xfrm>
-            <a:off x="4499261" y="478058"/>
-            <a:ext cx="109140" cy="99194"/>
-            <a:chOff x="3538936" y="931069"/>
-            <a:chExt cx="109140" cy="99194"/>
-          </a:xfrm>
-        </p:grpSpPr>
-        <p:sp>
-          <p:nvSpPr>
-            <p:cNvPr id="12" name="Oval 11">
-              <a:extLst>
-                <a:ext uri="{FF2B5EF4-FFF2-40B4-BE49-F238E27FC236}">
-                  <a16:creationId xmlns:a16="http://schemas.microsoft.com/office/drawing/2014/main" id="{84584C83-521F-773C-4E03-4B78F83336DE}"/>
-                </a:ext>
-              </a:extLst>
-            </p:cNvPr>
-            <p:cNvSpPr/>
-            <p:nvPr/>
-          </p:nvSpPr>
-          <p:spPr>
-            <a:xfrm>
-              <a:off x="3557390" y="946537"/>
-              <a:ext cx="72231" cy="68257"/>
-            </a:xfrm>
-            <a:prstGeom prst="ellipse">
-              <a:avLst/>
-            </a:prstGeom>
-            <a:gradFill>
-              <a:gsLst>
-                <a:gs pos="0">
-                  <a:srgbClr val="BE264C"/>
-                </a:gs>
-                <a:gs pos="100000">
-                  <a:srgbClr val="92AEB9"/>
-                </a:gs>
-              </a:gsLst>
-              <a:lin ang="2700000" scaled="1"/>
-            </a:gradFill>
-            <a:ln>
-              <a:noFill/>
-            </a:ln>
-          </p:spPr>
-          <p:style>
-            <a:lnRef idx="2">
-              <a:schemeClr val="accent1">
-                <a:shade val="50000"/>
-              </a:schemeClr>
-            </a:lnRef>
-            <a:fillRef idx="1">
-              <a:schemeClr val="accent1"/>
-            </a:fillRef>
-            <a:effectRef idx="0">
-              <a:schemeClr val="accent1"/>
-            </a:effectRef>
-            <a:fontRef idx="minor">
-              <a:schemeClr val="lt1"/>
-            </a:fontRef>
-          </p:style>
-          <p:txBody>
-            <a:bodyPr rtlCol="0" anchor="ctr"/>
-            <a:lstStyle/>
-            <a:p>
-              <a:pPr algn="ctr"/>
-              <a:endParaRPr lang="zh-CN" altLang="en-US"/>
-            </a:p>
-          </p:txBody>
-        </p:sp>
-        <p:sp>
-          <p:nvSpPr>
-            <p:cNvPr id="13" name="Oval 12">
-              <a:extLst>
-                <a:ext uri="{FF2B5EF4-FFF2-40B4-BE49-F238E27FC236}">
-                  <a16:creationId xmlns:a16="http://schemas.microsoft.com/office/drawing/2014/main" id="{32E7E4B4-00A5-6593-F78B-964316B2AE72}"/>
-                </a:ext>
-              </a:extLst>
-            </p:cNvPr>
-            <p:cNvSpPr/>
-            <p:nvPr/>
-          </p:nvSpPr>
-          <p:spPr>
-            <a:xfrm>
-              <a:off x="3538936" y="931069"/>
-              <a:ext cx="109140" cy="99194"/>
-            </a:xfrm>
-            <a:prstGeom prst="ellipse">
-              <a:avLst/>
-            </a:prstGeom>
-            <a:noFill/>
-            <a:ln>
-              <a:gradFill flip="none" rotWithShape="1">
-                <a:gsLst>
-                  <a:gs pos="0">
-                    <a:srgbClr val="BB2649"/>
-                  </a:gs>
-                  <a:gs pos="74000">
-                    <a:schemeClr val="accent1">
-                      <a:lumMod val="45000"/>
-                      <a:lumOff val="55000"/>
-                    </a:schemeClr>
-                  </a:gs>
-                  <a:gs pos="83000">
-                    <a:schemeClr val="accent1">
-                      <a:lumMod val="45000"/>
-                      <a:lumOff val="55000"/>
-                    </a:schemeClr>
-                  </a:gs>
-                  <a:gs pos="100000">
-                    <a:srgbClr val="FFFFFF"/>
-                  </a:gs>
-                </a:gsLst>
-                <a:lin ang="2700000" scaled="1"/>
-                <a:tileRect/>
-              </a:gradFill>
-            </a:ln>
-          </p:spPr>
-          <p:style>
-            <a:lnRef idx="2">
-              <a:schemeClr val="accent1">
-                <a:shade val="50000"/>
-              </a:schemeClr>
-            </a:lnRef>
-            <a:fillRef idx="1">
-              <a:schemeClr val="accent1"/>
-            </a:fillRef>
-            <a:effectRef idx="0">
-              <a:schemeClr val="accent1"/>
-            </a:effectRef>
-            <a:fontRef idx="minor">
-              <a:schemeClr val="lt1"/>
-            </a:fontRef>
-          </p:style>
-          <p:txBody>
-            <a:bodyPr rtlCol="0" anchor="ctr"/>
-            <a:lstStyle/>
-            <a:p>
-              <a:pPr algn="ctr"/>
-              <a:endParaRPr lang="zh-CN" altLang="en-US"/>
-            </a:p>
-          </p:txBody>
-        </p:sp>
-      </p:grpSp>
-      <p:sp>
-        <p:nvSpPr>
-          <p:cNvPr id="22" name="TextBox 21">
-            <a:extLst>
-              <a:ext uri="{FF2B5EF4-FFF2-40B4-BE49-F238E27FC236}">
-                <a16:creationId xmlns:a16="http://schemas.microsoft.com/office/drawing/2014/main" id="{73291329-635F-957B-2336-1A52ABE8B248}"/>
-              </a:ext>
-            </a:extLst>
-          </p:cNvPr>
-          <p:cNvSpPr txBox="1"/>
-          <p:nvPr/>
-        </p:nvSpPr>
-        <p:spPr>
-          <a:xfrm>
-            <a:off x="352198" y="278957"/>
-            <a:ext cx="1946047" cy="461665"/>
-          </a:xfrm>
-          <a:prstGeom prst="rect">
-            <a:avLst/>
-          </a:prstGeom>
-          <a:solidFill>
-            <a:schemeClr val="bg1"/>
-          </a:solidFill>
-        </p:spPr>
-        <p:txBody>
-          <a:bodyPr wrap="square" rtlCol="0">
-            <a:spAutoFit/>
-          </a:bodyPr>
-          <a:lstStyle/>
-          <a:p>
-            <a:r>
-              <a:rPr lang="en-US" altLang="zh-CN" sz="2400" b="1" spc="100" dirty="0">
-                <a:gradFill>
-                  <a:gsLst>
-                    <a:gs pos="0">
-                      <a:srgbClr val="BE264C"/>
-                    </a:gs>
-                    <a:gs pos="74000">
-                      <a:schemeClr val="accent1">
-                        <a:lumMod val="45000"/>
-                        <a:lumOff val="55000"/>
-                      </a:schemeClr>
-                    </a:gs>
-                    <a:gs pos="83000">
-                      <a:schemeClr val="accent1">
-                        <a:lumMod val="45000"/>
-                        <a:lumOff val="55000"/>
-                      </a:schemeClr>
-                    </a:gs>
-                    <a:gs pos="100000">
-                      <a:srgbClr val="92AEB9"/>
-                    </a:gs>
-                  </a:gsLst>
-                  <a:lin ang="5400000" scaled="1"/>
-                </a:gradFill>
-                <a:latin typeface="Poppins" panose="00000500000000000000" pitchFamily="2" charset="0"/>
-                <a:ea typeface="Roboto" panose="02000000000000000000" pitchFamily="2" charset="0"/>
-                <a:cs typeface="Poppins" panose="00000500000000000000" pitchFamily="2" charset="0"/>
-              </a:rPr>
-              <a:t>Summary</a:t>
-            </a:r>
-            <a:endParaRPr lang="zh-CN" altLang="en-US" sz="2400" b="1" spc="100" dirty="0">
-              <a:gradFill>
-                <a:gsLst>
-                  <a:gs pos="0">
-                    <a:srgbClr val="BE264C"/>
-                  </a:gs>
-                  <a:gs pos="74000">
-                    <a:schemeClr val="accent1">
-                      <a:lumMod val="45000"/>
-                      <a:lumOff val="55000"/>
-                    </a:schemeClr>
-                  </a:gs>
-                  <a:gs pos="83000">
-                    <a:schemeClr val="accent1">
-                      <a:lumMod val="45000"/>
-                      <a:lumOff val="55000"/>
-                    </a:schemeClr>
-                  </a:gs>
-                  <a:gs pos="100000">
-                    <a:srgbClr val="92AEB9"/>
-                  </a:gs>
-                </a:gsLst>
-                <a:lin ang="5400000" scaled="1"/>
-              </a:gradFill>
-              <a:latin typeface="Poppins" panose="00000500000000000000" pitchFamily="2" charset="0"/>
-              <a:cs typeface="Poppins" panose="00000500000000000000" pitchFamily="2" charset="0"/>
-            </a:endParaRPr>
-          </a:p>
-        </p:txBody>
-      </p:sp>
-      <p:grpSp>
-        <p:nvGrpSpPr>
-          <p:cNvPr id="17" name="Group 16">
-            <a:extLst>
-              <a:ext uri="{FF2B5EF4-FFF2-40B4-BE49-F238E27FC236}">
-                <a16:creationId xmlns:a16="http://schemas.microsoft.com/office/drawing/2014/main" id="{6FD50358-195B-D162-AA32-78F573FD668C}"/>
-              </a:ext>
-            </a:extLst>
-          </p:cNvPr>
-          <p:cNvGrpSpPr/>
-          <p:nvPr/>
-        </p:nvGrpSpPr>
-        <p:grpSpPr>
-          <a:xfrm>
-            <a:off x="6267197" y="478058"/>
-            <a:ext cx="109140" cy="99194"/>
-            <a:chOff x="3538936" y="931069"/>
-            <a:chExt cx="109140" cy="99194"/>
-          </a:xfrm>
-        </p:grpSpPr>
-        <p:sp>
-          <p:nvSpPr>
-            <p:cNvPr id="19" name="Oval 18">
-              <a:extLst>
-                <a:ext uri="{FF2B5EF4-FFF2-40B4-BE49-F238E27FC236}">
-                  <a16:creationId xmlns:a16="http://schemas.microsoft.com/office/drawing/2014/main" id="{B77E0006-9F25-7C0C-5783-0111F7373352}"/>
-                </a:ext>
-              </a:extLst>
-            </p:cNvPr>
-            <p:cNvSpPr/>
-            <p:nvPr/>
-          </p:nvSpPr>
-          <p:spPr>
-            <a:xfrm>
-              <a:off x="3557390" y="946537"/>
-              <a:ext cx="72231" cy="68257"/>
-            </a:xfrm>
-            <a:prstGeom prst="ellipse">
-              <a:avLst/>
-            </a:prstGeom>
-            <a:gradFill>
-              <a:gsLst>
-                <a:gs pos="0">
-                  <a:srgbClr val="BE264C"/>
-                </a:gs>
-                <a:gs pos="100000">
-                  <a:srgbClr val="92AEB9"/>
-                </a:gs>
-              </a:gsLst>
-              <a:lin ang="2700000" scaled="1"/>
-            </a:gradFill>
-            <a:ln>
-              <a:noFill/>
-            </a:ln>
-          </p:spPr>
-          <p:style>
-            <a:lnRef idx="2">
-              <a:schemeClr val="accent1">
-                <a:shade val="50000"/>
-              </a:schemeClr>
-            </a:lnRef>
-            <a:fillRef idx="1">
-              <a:schemeClr val="accent1"/>
-            </a:fillRef>
-            <a:effectRef idx="0">
-              <a:schemeClr val="accent1"/>
-            </a:effectRef>
-            <a:fontRef idx="minor">
-              <a:schemeClr val="lt1"/>
-            </a:fontRef>
-          </p:style>
-          <p:txBody>
-            <a:bodyPr rtlCol="0" anchor="ctr"/>
-            <a:lstStyle/>
-            <a:p>
-              <a:pPr algn="ctr"/>
-              <a:endParaRPr lang="zh-CN" altLang="en-US"/>
-            </a:p>
-          </p:txBody>
-        </p:sp>
-        <p:sp>
-          <p:nvSpPr>
-            <p:cNvPr id="20" name="Oval 19">
-              <a:extLst>
-                <a:ext uri="{FF2B5EF4-FFF2-40B4-BE49-F238E27FC236}">
-                  <a16:creationId xmlns:a16="http://schemas.microsoft.com/office/drawing/2014/main" id="{EF698EC0-8260-9E91-F2F3-40A1E127F502}"/>
-                </a:ext>
-              </a:extLst>
-            </p:cNvPr>
-            <p:cNvSpPr/>
-            <p:nvPr/>
-          </p:nvSpPr>
-          <p:spPr>
-            <a:xfrm>
-              <a:off x="3538936" y="931069"/>
-              <a:ext cx="109140" cy="99194"/>
-            </a:xfrm>
-            <a:prstGeom prst="ellipse">
-              <a:avLst/>
-            </a:prstGeom>
-            <a:noFill/>
-            <a:ln>
-              <a:gradFill flip="none" rotWithShape="1">
-                <a:gsLst>
-                  <a:gs pos="0">
-                    <a:srgbClr val="BB2649"/>
-                  </a:gs>
-                  <a:gs pos="74000">
-                    <a:schemeClr val="accent1">
-                      <a:lumMod val="45000"/>
-                      <a:lumOff val="55000"/>
-                    </a:schemeClr>
-                  </a:gs>
-                  <a:gs pos="83000">
-                    <a:schemeClr val="accent1">
-                      <a:lumMod val="45000"/>
-                      <a:lumOff val="55000"/>
-                    </a:schemeClr>
-                  </a:gs>
-                  <a:gs pos="100000">
-                    <a:srgbClr val="FFFFFF"/>
-                  </a:gs>
-                </a:gsLst>
-                <a:lin ang="2700000" scaled="1"/>
-                <a:tileRect/>
-              </a:gradFill>
-            </a:ln>
-          </p:spPr>
-          <p:style>
-            <a:lnRef idx="2">
-              <a:schemeClr val="accent1">
-                <a:shade val="50000"/>
-              </a:schemeClr>
-            </a:lnRef>
-            <a:fillRef idx="1">
-              <a:schemeClr val="accent1"/>
-            </a:fillRef>
-            <a:effectRef idx="0">
-              <a:schemeClr val="accent1"/>
-            </a:effectRef>
-            <a:fontRef idx="minor">
-              <a:schemeClr val="lt1"/>
-            </a:fontRef>
-          </p:style>
-          <p:txBody>
-            <a:bodyPr rtlCol="0" anchor="ctr"/>
-            <a:lstStyle/>
-            <a:p>
-              <a:pPr algn="ctr"/>
-              <a:endParaRPr lang="zh-CN" altLang="en-US"/>
-            </a:p>
-          </p:txBody>
-        </p:sp>
-      </p:grpSp>
-      <p:grpSp>
-        <p:nvGrpSpPr>
-          <p:cNvPr id="21" name="Group 20">
-            <a:extLst>
-              <a:ext uri="{FF2B5EF4-FFF2-40B4-BE49-F238E27FC236}">
-                <a16:creationId xmlns:a16="http://schemas.microsoft.com/office/drawing/2014/main" id="{6883AF4C-942D-C5F4-70DF-EE762477535C}"/>
-              </a:ext>
-            </a:extLst>
-          </p:cNvPr>
-          <p:cNvGrpSpPr/>
-          <p:nvPr/>
-        </p:nvGrpSpPr>
-        <p:grpSpPr>
-          <a:xfrm>
-            <a:off x="8035133" y="478058"/>
-            <a:ext cx="109140" cy="99194"/>
-            <a:chOff x="3538936" y="931069"/>
-            <a:chExt cx="109140" cy="99194"/>
-          </a:xfrm>
-        </p:grpSpPr>
-        <p:sp>
-          <p:nvSpPr>
-            <p:cNvPr id="23" name="Oval 22">
-              <a:extLst>
-                <a:ext uri="{FF2B5EF4-FFF2-40B4-BE49-F238E27FC236}">
-                  <a16:creationId xmlns:a16="http://schemas.microsoft.com/office/drawing/2014/main" id="{2E9ACF89-248D-D276-27AE-5530873E611D}"/>
-                </a:ext>
-              </a:extLst>
-            </p:cNvPr>
-            <p:cNvSpPr/>
-            <p:nvPr/>
-          </p:nvSpPr>
-          <p:spPr>
-            <a:xfrm>
-              <a:off x="3557390" y="946537"/>
-              <a:ext cx="72231" cy="68257"/>
-            </a:xfrm>
-            <a:prstGeom prst="ellipse">
-              <a:avLst/>
-            </a:prstGeom>
-            <a:gradFill>
-              <a:gsLst>
-                <a:gs pos="0">
-                  <a:srgbClr val="BE264C"/>
-                </a:gs>
-                <a:gs pos="100000">
-                  <a:srgbClr val="92AEB9"/>
-                </a:gs>
-              </a:gsLst>
-              <a:lin ang="2700000" scaled="1"/>
-            </a:gradFill>
-            <a:ln>
-              <a:noFill/>
-            </a:ln>
-          </p:spPr>
-          <p:style>
-            <a:lnRef idx="2">
-              <a:schemeClr val="accent1">
-                <a:shade val="50000"/>
-              </a:schemeClr>
-            </a:lnRef>
-            <a:fillRef idx="1">
-              <a:schemeClr val="accent1"/>
-            </a:fillRef>
-            <a:effectRef idx="0">
-              <a:schemeClr val="accent1"/>
-            </a:effectRef>
-            <a:fontRef idx="minor">
-              <a:schemeClr val="lt1"/>
-            </a:fontRef>
-          </p:style>
-          <p:txBody>
-            <a:bodyPr rtlCol="0" anchor="ctr"/>
-            <a:lstStyle/>
-            <a:p>
-              <a:pPr algn="ctr"/>
-              <a:endParaRPr lang="zh-CN" altLang="en-US"/>
-            </a:p>
-          </p:txBody>
-        </p:sp>
-        <p:sp>
-          <p:nvSpPr>
-            <p:cNvPr id="25" name="Oval 24">
-              <a:extLst>
-                <a:ext uri="{FF2B5EF4-FFF2-40B4-BE49-F238E27FC236}">
-                  <a16:creationId xmlns:a16="http://schemas.microsoft.com/office/drawing/2014/main" id="{765315DA-C079-90FA-CFB1-C4B462BB514C}"/>
-                </a:ext>
-              </a:extLst>
-            </p:cNvPr>
-            <p:cNvSpPr/>
-            <p:nvPr/>
-          </p:nvSpPr>
-          <p:spPr>
-            <a:xfrm>
-              <a:off x="3538936" y="931069"/>
-              <a:ext cx="109140" cy="99194"/>
-            </a:xfrm>
-            <a:prstGeom prst="ellipse">
-              <a:avLst/>
-            </a:prstGeom>
-            <a:noFill/>
-            <a:ln>
-              <a:gradFill flip="none" rotWithShape="1">
-                <a:gsLst>
-                  <a:gs pos="0">
-                    <a:srgbClr val="BB2649"/>
-                  </a:gs>
-                  <a:gs pos="74000">
-                    <a:schemeClr val="accent1">
-                      <a:lumMod val="45000"/>
-                      <a:lumOff val="55000"/>
-                    </a:schemeClr>
-                  </a:gs>
-                  <a:gs pos="83000">
-                    <a:schemeClr val="accent1">
-                      <a:lumMod val="45000"/>
-                      <a:lumOff val="55000"/>
-                    </a:schemeClr>
-                  </a:gs>
-                  <a:gs pos="100000">
-                    <a:srgbClr val="FFFFFF"/>
-                  </a:gs>
-                </a:gsLst>
-                <a:lin ang="2700000" scaled="1"/>
-                <a:tileRect/>
-              </a:gradFill>
-            </a:ln>
-          </p:spPr>
-          <p:style>
-            <a:lnRef idx="2">
-              <a:schemeClr val="accent1">
-                <a:shade val="50000"/>
-              </a:schemeClr>
-            </a:lnRef>
-            <a:fillRef idx="1">
-              <a:schemeClr val="accent1"/>
-            </a:fillRef>
-            <a:effectRef idx="0">
-              <a:schemeClr val="accent1"/>
-            </a:effectRef>
-            <a:fontRef idx="minor">
-              <a:schemeClr val="lt1"/>
-            </a:fontRef>
-          </p:style>
-          <p:txBody>
-            <a:bodyPr rtlCol="0" anchor="ctr"/>
-            <a:lstStyle/>
-            <a:p>
-              <a:pPr algn="ctr"/>
-              <a:endParaRPr lang="zh-CN" altLang="en-US"/>
-            </a:p>
-          </p:txBody>
-        </p:sp>
-      </p:grpSp>
-      <p:grpSp>
-        <p:nvGrpSpPr>
-          <p:cNvPr id="26" name="Group 25">
-            <a:extLst>
-              <a:ext uri="{FF2B5EF4-FFF2-40B4-BE49-F238E27FC236}">
-                <a16:creationId xmlns:a16="http://schemas.microsoft.com/office/drawing/2014/main" id="{97B99703-917B-E685-E868-2ABAA701FE34}"/>
-              </a:ext>
-            </a:extLst>
-          </p:cNvPr>
-          <p:cNvGrpSpPr/>
-          <p:nvPr/>
-        </p:nvGrpSpPr>
-        <p:grpSpPr>
-          <a:xfrm>
-            <a:off x="11571005" y="478058"/>
-            <a:ext cx="109140" cy="99194"/>
-            <a:chOff x="3538936" y="931069"/>
-            <a:chExt cx="109140" cy="99194"/>
-          </a:xfrm>
-        </p:grpSpPr>
-        <p:sp>
-          <p:nvSpPr>
-            <p:cNvPr id="27" name="Oval 26">
-              <a:extLst>
-                <a:ext uri="{FF2B5EF4-FFF2-40B4-BE49-F238E27FC236}">
-                  <a16:creationId xmlns:a16="http://schemas.microsoft.com/office/drawing/2014/main" id="{9180690B-9D57-C72F-E91A-5CFA3522C0CE}"/>
-                </a:ext>
-              </a:extLst>
-            </p:cNvPr>
-            <p:cNvSpPr/>
-            <p:nvPr/>
-          </p:nvSpPr>
-          <p:spPr>
-            <a:xfrm>
-              <a:off x="3557390" y="946537"/>
-              <a:ext cx="72231" cy="68257"/>
-            </a:xfrm>
-            <a:prstGeom prst="ellipse">
-              <a:avLst/>
-            </a:prstGeom>
-            <a:gradFill>
-              <a:gsLst>
-                <a:gs pos="0">
-                  <a:srgbClr val="BE264C"/>
-                </a:gs>
-                <a:gs pos="100000">
-                  <a:srgbClr val="92AEB9"/>
-                </a:gs>
-              </a:gsLst>
-              <a:lin ang="2700000" scaled="1"/>
-            </a:gradFill>
-            <a:ln>
-              <a:noFill/>
-            </a:ln>
-          </p:spPr>
-          <p:style>
-            <a:lnRef idx="2">
-              <a:schemeClr val="accent1">
-                <a:shade val="50000"/>
-              </a:schemeClr>
-            </a:lnRef>
-            <a:fillRef idx="1">
-              <a:schemeClr val="accent1"/>
-            </a:fillRef>
-            <a:effectRef idx="0">
-              <a:schemeClr val="accent1"/>
-            </a:effectRef>
-            <a:fontRef idx="minor">
-              <a:schemeClr val="lt1"/>
-            </a:fontRef>
-          </p:style>
-          <p:txBody>
-            <a:bodyPr rtlCol="0" anchor="ctr"/>
-            <a:lstStyle/>
-            <a:p>
-              <a:pPr algn="ctr"/>
-              <a:endParaRPr lang="zh-CN" altLang="en-US"/>
-            </a:p>
-          </p:txBody>
-        </p:sp>
-        <p:sp>
-          <p:nvSpPr>
-            <p:cNvPr id="28" name="Oval 27">
-              <a:extLst>
-                <a:ext uri="{FF2B5EF4-FFF2-40B4-BE49-F238E27FC236}">
-                  <a16:creationId xmlns:a16="http://schemas.microsoft.com/office/drawing/2014/main" id="{453AC916-CC2B-C484-04ED-672E49044A10}"/>
-                </a:ext>
-              </a:extLst>
-            </p:cNvPr>
-            <p:cNvSpPr/>
-            <p:nvPr/>
-          </p:nvSpPr>
-          <p:spPr>
-            <a:xfrm>
-              <a:off x="3538936" y="931069"/>
-              <a:ext cx="109140" cy="99194"/>
-            </a:xfrm>
-            <a:prstGeom prst="ellipse">
-              <a:avLst/>
-            </a:prstGeom>
-            <a:noFill/>
-            <a:ln>
-              <a:gradFill flip="none" rotWithShape="1">
-                <a:gsLst>
-                  <a:gs pos="0">
-                    <a:srgbClr val="BB2649"/>
-                  </a:gs>
-                  <a:gs pos="74000">
-                    <a:schemeClr val="accent1">
-                      <a:lumMod val="45000"/>
-                      <a:lumOff val="55000"/>
-                    </a:schemeClr>
-                  </a:gs>
-                  <a:gs pos="83000">
-                    <a:schemeClr val="accent1">
-                      <a:lumMod val="45000"/>
-                      <a:lumOff val="55000"/>
-                    </a:schemeClr>
-                  </a:gs>
-                  <a:gs pos="100000">
-                    <a:srgbClr val="FFFFFF"/>
-                  </a:gs>
-                </a:gsLst>
-                <a:lin ang="2700000" scaled="1"/>
-                <a:tileRect/>
-              </a:gradFill>
-            </a:ln>
-          </p:spPr>
-          <p:style>
-            <a:lnRef idx="2">
-              <a:schemeClr val="accent1">
-                <a:shade val="50000"/>
-              </a:schemeClr>
-            </a:lnRef>
-            <a:fillRef idx="1">
-              <a:schemeClr val="accent1"/>
-            </a:fillRef>
-            <a:effectRef idx="0">
-              <a:schemeClr val="accent1"/>
-            </a:effectRef>
-            <a:fontRef idx="minor">
-              <a:schemeClr val="lt1"/>
-            </a:fontRef>
-          </p:style>
-          <p:txBody>
-            <a:bodyPr rtlCol="0" anchor="ctr"/>
-            <a:lstStyle/>
-            <a:p>
-              <a:pPr algn="ctr"/>
-              <a:endParaRPr lang="zh-CN" altLang="en-US"/>
-            </a:p>
-          </p:txBody>
-        </p:sp>
-      </p:grpSp>
-      <p:grpSp>
-        <p:nvGrpSpPr>
-          <p:cNvPr id="29" name="Group 28">
-            <a:extLst>
-              <a:ext uri="{FF2B5EF4-FFF2-40B4-BE49-F238E27FC236}">
-                <a16:creationId xmlns:a16="http://schemas.microsoft.com/office/drawing/2014/main" id="{2DCCE26E-685B-D816-42AB-ABF2E46E39FA}"/>
-              </a:ext>
-            </a:extLst>
-          </p:cNvPr>
-          <p:cNvGrpSpPr/>
-          <p:nvPr/>
-        </p:nvGrpSpPr>
-        <p:grpSpPr>
-          <a:xfrm>
-            <a:off x="9803069" y="479297"/>
-            <a:ext cx="109140" cy="99194"/>
-            <a:chOff x="3538936" y="931069"/>
-            <a:chExt cx="109140" cy="99194"/>
-          </a:xfrm>
-        </p:grpSpPr>
-        <p:sp>
-          <p:nvSpPr>
-            <p:cNvPr id="30" name="Oval 29">
-              <a:extLst>
-                <a:ext uri="{FF2B5EF4-FFF2-40B4-BE49-F238E27FC236}">
-                  <a16:creationId xmlns:a16="http://schemas.microsoft.com/office/drawing/2014/main" id="{F5260B02-869B-8FE5-06B6-577822B30AE1}"/>
-                </a:ext>
-              </a:extLst>
-            </p:cNvPr>
-            <p:cNvSpPr/>
-            <p:nvPr/>
-          </p:nvSpPr>
-          <p:spPr>
-            <a:xfrm>
-              <a:off x="3557390" y="946537"/>
-              <a:ext cx="72231" cy="68257"/>
-            </a:xfrm>
-            <a:prstGeom prst="ellipse">
-              <a:avLst/>
-            </a:prstGeom>
-            <a:gradFill>
-              <a:gsLst>
-                <a:gs pos="0">
-                  <a:srgbClr val="BE264C"/>
-                </a:gs>
-                <a:gs pos="100000">
-                  <a:srgbClr val="92AEB9"/>
-                </a:gs>
-              </a:gsLst>
-              <a:lin ang="2700000" scaled="1"/>
-            </a:gradFill>
-            <a:ln>
-              <a:noFill/>
-            </a:ln>
-          </p:spPr>
-          <p:style>
-            <a:lnRef idx="2">
-              <a:schemeClr val="accent1">
-                <a:shade val="50000"/>
-              </a:schemeClr>
-            </a:lnRef>
-            <a:fillRef idx="1">
-              <a:schemeClr val="accent1"/>
-            </a:fillRef>
-            <a:effectRef idx="0">
-              <a:schemeClr val="accent1"/>
-            </a:effectRef>
-            <a:fontRef idx="minor">
-              <a:schemeClr val="lt1"/>
-            </a:fontRef>
-          </p:style>
-          <p:txBody>
-            <a:bodyPr rtlCol="0" anchor="ctr"/>
-            <a:lstStyle/>
-            <a:p>
-              <a:pPr algn="ctr"/>
-              <a:endParaRPr lang="zh-CN" altLang="en-US"/>
-            </a:p>
-          </p:txBody>
-        </p:sp>
-        <p:sp>
-          <p:nvSpPr>
-            <p:cNvPr id="31" name="Oval 30">
-              <a:extLst>
-                <a:ext uri="{FF2B5EF4-FFF2-40B4-BE49-F238E27FC236}">
-                  <a16:creationId xmlns:a16="http://schemas.microsoft.com/office/drawing/2014/main" id="{D551E89A-919E-8C10-36F7-0B7EFB20BF00}"/>
-                </a:ext>
-              </a:extLst>
-            </p:cNvPr>
-            <p:cNvSpPr/>
-            <p:nvPr/>
-          </p:nvSpPr>
-          <p:spPr>
-            <a:xfrm>
-              <a:off x="3538936" y="931069"/>
-              <a:ext cx="109140" cy="99194"/>
-            </a:xfrm>
-            <a:prstGeom prst="ellipse">
-              <a:avLst/>
-            </a:prstGeom>
-            <a:noFill/>
-            <a:ln>
-              <a:gradFill flip="none" rotWithShape="1">
-                <a:gsLst>
-                  <a:gs pos="0">
-                    <a:srgbClr val="BB2649"/>
-                  </a:gs>
-                  <a:gs pos="74000">
-                    <a:schemeClr val="accent1">
-                      <a:lumMod val="45000"/>
-                      <a:lumOff val="55000"/>
-                    </a:schemeClr>
-                  </a:gs>
-                  <a:gs pos="83000">
-                    <a:schemeClr val="accent1">
-                      <a:lumMod val="45000"/>
-                      <a:lumOff val="55000"/>
-                    </a:schemeClr>
-                  </a:gs>
-                  <a:gs pos="100000">
-                    <a:srgbClr val="FFFFFF"/>
-                  </a:gs>
-                </a:gsLst>
-                <a:lin ang="2700000" scaled="1"/>
-                <a:tileRect/>
-              </a:gradFill>
-            </a:ln>
-          </p:spPr>
-          <p:style>
-            <a:lnRef idx="2">
-              <a:schemeClr val="accent1">
-                <a:shade val="50000"/>
-              </a:schemeClr>
-            </a:lnRef>
-            <a:fillRef idx="1">
-              <a:schemeClr val="accent1"/>
-            </a:fillRef>
-            <a:effectRef idx="0">
-              <a:schemeClr val="accent1"/>
-            </a:effectRef>
-            <a:fontRef idx="minor">
-              <a:schemeClr val="lt1"/>
-            </a:fontRef>
-          </p:style>
-          <p:txBody>
-            <a:bodyPr rtlCol="0" anchor="ctr"/>
-            <a:lstStyle/>
-            <a:p>
-              <a:pPr algn="ctr"/>
-              <a:endParaRPr lang="zh-CN" altLang="en-US"/>
-            </a:p>
-          </p:txBody>
-        </p:sp>
-      </p:grpSp>
-      <p:sp>
-        <p:nvSpPr>
-          <p:cNvPr id="5" name="Google Shape;114;p14">
-            <a:extLst>
-              <a:ext uri="{FF2B5EF4-FFF2-40B4-BE49-F238E27FC236}">
-                <a16:creationId xmlns:a16="http://schemas.microsoft.com/office/drawing/2014/main" id="{EE0E0A1C-7F4E-EF4F-7D98-1EB6794F24A4}"/>
-              </a:ext>
-            </a:extLst>
-          </p:cNvPr>
-          <p:cNvSpPr txBox="1"/>
-          <p:nvPr/>
-        </p:nvSpPr>
-        <p:spPr>
-          <a:xfrm>
-            <a:off x="400931" y="1458470"/>
-            <a:ext cx="10056329" cy="3703538"/>
-          </a:xfrm>
-          <a:prstGeom prst="rect">
-            <a:avLst/>
-          </a:prstGeom>
-          <a:noFill/>
-          <a:ln>
-            <a:noFill/>
-          </a:ln>
-        </p:spPr>
-        <p:txBody>
-          <a:bodyPr spcFirstLastPara="1" wrap="square" lIns="91425" tIns="45700" rIns="91425" bIns="45700" anchor="t" anchorCtr="0">
-            <a:spAutoFit/>
-          </a:bodyPr>
-          <a:lstStyle/>
-          <a:p>
-            <a:pPr marL="0" marR="0" lvl="0" indent="0" algn="just" rtl="0">
-              <a:spcBef>
-                <a:spcPts val="0"/>
-              </a:spcBef>
-              <a:spcAft>
-                <a:spcPts val="0"/>
-              </a:spcAft>
-              <a:buNone/>
-            </a:pPr>
-            <a:r>
-              <a:rPr lang="en-US" altLang="zh-CN" sz="4400" b="1" baseline="30000" dirty="0">
-                <a:latin typeface="Poppins" panose="00000500000000000000" pitchFamily="2" charset="0"/>
-                <a:ea typeface="Calibri"/>
-                <a:cs typeface="Poppins" panose="00000500000000000000" pitchFamily="2" charset="0"/>
-                <a:sym typeface="Calibri"/>
-              </a:rPr>
-              <a:t>The solution to optimize the return values and conversion rate:</a:t>
-            </a:r>
-          </a:p>
-          <a:p>
-            <a:pPr marL="342900" marR="0" lvl="0" indent="-342900" algn="just" rtl="0">
-              <a:spcBef>
-                <a:spcPts val="0"/>
-              </a:spcBef>
-              <a:spcAft>
-                <a:spcPts val="0"/>
-              </a:spcAft>
-              <a:buFontTx/>
-              <a:buChar char="-"/>
-            </a:pPr>
-            <a:r>
-              <a:rPr lang="en-US" altLang="zh-CN" sz="4400" baseline="30000" dirty="0">
-                <a:latin typeface="Poppins" panose="00000500000000000000" pitchFamily="2" charset="0"/>
-                <a:ea typeface="Calibri"/>
-                <a:cs typeface="Poppins" panose="00000500000000000000" pitchFamily="2" charset="0"/>
-                <a:sym typeface="Calibri"/>
-              </a:rPr>
-              <a:t>Get the best value for Spent for using a Virtual Tracker and derivative</a:t>
-            </a:r>
-          </a:p>
-          <a:p>
-            <a:pPr marL="342900" marR="0" lvl="0" indent="-342900" algn="just" rtl="0">
-              <a:spcBef>
-                <a:spcPts val="0"/>
-              </a:spcBef>
-              <a:spcAft>
-                <a:spcPts val="0"/>
-              </a:spcAft>
-              <a:buFontTx/>
-              <a:buChar char="-"/>
-            </a:pPr>
-            <a:r>
-              <a:rPr lang="en-US" altLang="zh-CN" sz="4400" baseline="30000" dirty="0">
-                <a:latin typeface="Poppins" panose="00000500000000000000" pitchFamily="2" charset="0"/>
-                <a:ea typeface="Calibri"/>
-                <a:cs typeface="Poppins" panose="00000500000000000000" pitchFamily="2" charset="0"/>
-                <a:sym typeface="Calibri"/>
-              </a:rPr>
-              <a:t>Focus on the cluster of audience that have higher Click through Rate and Approval Rate</a:t>
-            </a:r>
-          </a:p>
-          <a:p>
-            <a:pPr marL="342900" marR="0" lvl="0" indent="-342900" algn="just" rtl="0">
-              <a:spcBef>
-                <a:spcPts val="0"/>
-              </a:spcBef>
-              <a:spcAft>
-                <a:spcPts val="0"/>
-              </a:spcAft>
-              <a:buFontTx/>
-              <a:buChar char="-"/>
-            </a:pPr>
-            <a:r>
-              <a:rPr lang="en-US" altLang="zh-CN" sz="4400" baseline="30000" dirty="0">
-                <a:latin typeface="Poppins" panose="00000500000000000000" pitchFamily="2" charset="0"/>
-                <a:ea typeface="Calibri"/>
-                <a:cs typeface="Poppins" panose="00000500000000000000" pitchFamily="2" charset="0"/>
-                <a:sym typeface="Calibri"/>
-              </a:rPr>
-              <a:t>The age group “30-34” are more likely to be converted from Impressions</a:t>
-            </a:r>
-          </a:p>
-        </p:txBody>
-      </p:sp>
-    </p:spTree>
-    <p:extLst>
-      <p:ext uri="{BB962C8B-B14F-4D97-AF65-F5344CB8AC3E}">
-        <p14:creationId xmlns:p14="http://schemas.microsoft.com/office/powerpoint/2010/main" val="4058460247"/>
-      </p:ext>
-    </p:extLst>
-  </p:cSld>
-  <p:clrMapOvr>
-    <a:masterClrMapping/>
-  </p:clrMapOvr>
-  <mc:AlternateContent xmlns:mc="http://schemas.openxmlformats.org/markup-compatibility/2006">
-    <mc:Choice xmlns:p159="http://schemas.microsoft.com/office/powerpoint/2015/09/main" Requires="p159">
-      <p:transition xmlns:p14="http://schemas.microsoft.com/office/powerpoint/2010/main" spd="slow" p14:dur="2000">
-        <p159:morph option="byObject"/>
-      </p:transition>
-    </mc:Choice>
-    <mc:Fallback>
-      <p:transition spd="slow">
-        <p:fade/>
-      </p:transition>
-    </mc:Fallback>
-  </mc:AlternateContent>
-</p:sld>
-</file>
-
 <file path=ppt/slides/slide3.xml><?xml version="1.0" encoding="utf-8"?>
 <p:sld xmlns:a="http://schemas.openxmlformats.org/drawingml/2006/main" xmlns:r="http://schemas.openxmlformats.org/officeDocument/2006/relationships" xmlns:p="http://schemas.openxmlformats.org/presentationml/2006/main">
   <p:cSld>
@@ -28853,7 +27438,7 @@
         </p:nvCxnSpPr>
         <p:spPr>
           <a:xfrm flipV="1">
-            <a:off x="15074" y="3671610"/>
+            <a:off x="30149" y="3645647"/>
             <a:ext cx="12161851" cy="115279"/>
           </a:xfrm>
           <a:prstGeom prst="line">
@@ -28891,14 +27476,14 @@
           </p:cNvPr>
           <p:cNvCxnSpPr>
             <a:cxnSpLocks/>
-            <a:endCxn id="20" idx="0"/>
+            <a:endCxn id="5" idx="2"/>
           </p:cNvCxnSpPr>
           <p:nvPr/>
         </p:nvCxnSpPr>
         <p:spPr>
-          <a:xfrm flipV="1">
-            <a:off x="30149" y="3706370"/>
-            <a:ext cx="9007614" cy="54556"/>
+          <a:xfrm>
+            <a:off x="30149" y="3760926"/>
+            <a:ext cx="1899754" cy="0"/>
           </a:xfrm>
           <a:prstGeom prst="line">
             <a:avLst/>
@@ -29409,8 +27994,8 @@
         </p:nvGrpSpPr>
         <p:grpSpPr>
           <a:xfrm>
-            <a:off x="8983193" y="3706370"/>
-            <a:ext cx="109140" cy="109113"/>
+            <a:off x="8983193" y="3711329"/>
+            <a:ext cx="109140" cy="99194"/>
             <a:chOff x="3538936" y="931069"/>
             <a:chExt cx="109140" cy="99194"/>
           </a:xfrm>
@@ -29703,370 +28288,6 @@
           </p:txBody>
         </p:sp>
       </p:grpSp>
-      <p:sp>
-        <p:nvSpPr>
-          <p:cNvPr id="26" name="TextBox 25">
-            <a:extLst>
-              <a:ext uri="{FF2B5EF4-FFF2-40B4-BE49-F238E27FC236}">
-                <a16:creationId xmlns:a16="http://schemas.microsoft.com/office/drawing/2014/main" id="{CD5F3A5B-AF49-6C1C-389A-796DFB6471E0}"/>
-              </a:ext>
-            </a:extLst>
-          </p:cNvPr>
-          <p:cNvSpPr txBox="1"/>
-          <p:nvPr/>
-        </p:nvSpPr>
-        <p:spPr>
-          <a:xfrm>
-            <a:off x="1137172" y="4056432"/>
-            <a:ext cx="2389798" cy="707886"/>
-          </a:xfrm>
-          <a:prstGeom prst="rect">
-            <a:avLst/>
-          </a:prstGeom>
-          <a:solidFill>
-            <a:schemeClr val="bg1"/>
-          </a:solidFill>
-        </p:spPr>
-        <p:txBody>
-          <a:bodyPr wrap="square" rtlCol="0">
-            <a:spAutoFit/>
-          </a:bodyPr>
-          <a:lstStyle/>
-          <a:p>
-            <a:r>
-              <a:rPr lang="en-US" altLang="zh-CN" sz="2000" b="1" spc="100" dirty="0">
-                <a:gradFill>
-                  <a:gsLst>
-                    <a:gs pos="0">
-                      <a:srgbClr val="BE264C"/>
-                    </a:gs>
-                    <a:gs pos="74000">
-                      <a:schemeClr val="accent1">
-                        <a:lumMod val="45000"/>
-                        <a:lumOff val="55000"/>
-                      </a:schemeClr>
-                    </a:gs>
-                    <a:gs pos="83000">
-                      <a:schemeClr val="accent1">
-                        <a:lumMod val="45000"/>
-                        <a:lumOff val="55000"/>
-                      </a:schemeClr>
-                    </a:gs>
-                    <a:gs pos="100000">
-                      <a:srgbClr val="92AEB9"/>
-                    </a:gs>
-                  </a:gsLst>
-                  <a:lin ang="5400000" scaled="1"/>
-                </a:gradFill>
-                <a:latin typeface="Poppins" panose="00000500000000000000" pitchFamily="2" charset="0"/>
-                <a:ea typeface="Roboto" panose="02000000000000000000" pitchFamily="2" charset="0"/>
-                <a:cs typeface="Poppins" panose="00000500000000000000" pitchFamily="2" charset="0"/>
-              </a:rPr>
-              <a:t>Data Collecting</a:t>
-            </a:r>
-            <a:endParaRPr lang="zh-CN" altLang="en-US" sz="2000" b="1" spc="100" dirty="0">
-              <a:gradFill>
-                <a:gsLst>
-                  <a:gs pos="0">
-                    <a:srgbClr val="BE264C"/>
-                  </a:gs>
-                  <a:gs pos="74000">
-                    <a:schemeClr val="accent1">
-                      <a:lumMod val="45000"/>
-                      <a:lumOff val="55000"/>
-                    </a:schemeClr>
-                  </a:gs>
-                  <a:gs pos="83000">
-                    <a:schemeClr val="accent1">
-                      <a:lumMod val="45000"/>
-                      <a:lumOff val="55000"/>
-                    </a:schemeClr>
-                  </a:gs>
-                  <a:gs pos="100000">
-                    <a:srgbClr val="92AEB9"/>
-                  </a:gs>
-                </a:gsLst>
-                <a:lin ang="5400000" scaled="1"/>
-              </a:gradFill>
-              <a:latin typeface="Poppins" panose="00000500000000000000" pitchFamily="2" charset="0"/>
-              <a:cs typeface="Poppins" panose="00000500000000000000" pitchFamily="2" charset="0"/>
-            </a:endParaRPr>
-          </a:p>
-        </p:txBody>
-      </p:sp>
-      <p:sp>
-        <p:nvSpPr>
-          <p:cNvPr id="30" name="TextBox 29">
-            <a:extLst>
-              <a:ext uri="{FF2B5EF4-FFF2-40B4-BE49-F238E27FC236}">
-                <a16:creationId xmlns:a16="http://schemas.microsoft.com/office/drawing/2014/main" id="{923981B5-809D-8839-9901-E88B72C0CAEE}"/>
-              </a:ext>
-            </a:extLst>
-          </p:cNvPr>
-          <p:cNvSpPr txBox="1"/>
-          <p:nvPr/>
-        </p:nvSpPr>
-        <p:spPr>
-          <a:xfrm>
-            <a:off x="3300594" y="4020997"/>
-            <a:ext cx="1800893" cy="707886"/>
-          </a:xfrm>
-          <a:prstGeom prst="rect">
-            <a:avLst/>
-          </a:prstGeom>
-          <a:solidFill>
-            <a:schemeClr val="bg1"/>
-          </a:solidFill>
-        </p:spPr>
-        <p:txBody>
-          <a:bodyPr wrap="square" rtlCol="0">
-            <a:spAutoFit/>
-          </a:bodyPr>
-          <a:lstStyle/>
-          <a:p>
-            <a:r>
-              <a:rPr lang="en-US" altLang="zh-CN" sz="2000" b="1" spc="100" dirty="0">
-                <a:gradFill>
-                  <a:gsLst>
-                    <a:gs pos="0">
-                      <a:srgbClr val="BE264C"/>
-                    </a:gs>
-                    <a:gs pos="74000">
-                      <a:schemeClr val="accent1">
-                        <a:lumMod val="45000"/>
-                        <a:lumOff val="55000"/>
-                      </a:schemeClr>
-                    </a:gs>
-                    <a:gs pos="83000">
-                      <a:schemeClr val="accent1">
-                        <a:lumMod val="45000"/>
-                        <a:lumOff val="55000"/>
-                      </a:schemeClr>
-                    </a:gs>
-                    <a:gs pos="100000">
-                      <a:srgbClr val="92AEB9"/>
-                    </a:gs>
-                  </a:gsLst>
-                  <a:lin ang="5400000" scaled="1"/>
-                </a:gradFill>
-                <a:latin typeface="Poppins" panose="00000500000000000000" pitchFamily="2" charset="0"/>
-                <a:ea typeface="Roboto" panose="02000000000000000000" pitchFamily="2" charset="0"/>
-                <a:cs typeface="Poppins" panose="00000500000000000000" pitchFamily="2" charset="0"/>
-              </a:rPr>
-              <a:t>Sanity Check</a:t>
-            </a:r>
-            <a:endParaRPr lang="zh-CN" altLang="en-US" sz="2000" b="1" spc="100" dirty="0">
-              <a:gradFill>
-                <a:gsLst>
-                  <a:gs pos="0">
-                    <a:srgbClr val="BE264C"/>
-                  </a:gs>
-                  <a:gs pos="74000">
-                    <a:schemeClr val="accent1">
-                      <a:lumMod val="45000"/>
-                      <a:lumOff val="55000"/>
-                    </a:schemeClr>
-                  </a:gs>
-                  <a:gs pos="83000">
-                    <a:schemeClr val="accent1">
-                      <a:lumMod val="45000"/>
-                      <a:lumOff val="55000"/>
-                    </a:schemeClr>
-                  </a:gs>
-                  <a:gs pos="100000">
-                    <a:srgbClr val="92AEB9"/>
-                  </a:gs>
-                </a:gsLst>
-                <a:lin ang="5400000" scaled="1"/>
-              </a:gradFill>
-              <a:latin typeface="Poppins" panose="00000500000000000000" pitchFamily="2" charset="0"/>
-              <a:cs typeface="Poppins" panose="00000500000000000000" pitchFamily="2" charset="0"/>
-            </a:endParaRPr>
-          </a:p>
-        </p:txBody>
-      </p:sp>
-      <p:sp>
-        <p:nvSpPr>
-          <p:cNvPr id="31" name="TextBox 30">
-            <a:extLst>
-              <a:ext uri="{FF2B5EF4-FFF2-40B4-BE49-F238E27FC236}">
-                <a16:creationId xmlns:a16="http://schemas.microsoft.com/office/drawing/2014/main" id="{7F963020-3439-7E1E-BF7C-E9024189E81E}"/>
-              </a:ext>
-            </a:extLst>
-          </p:cNvPr>
-          <p:cNvSpPr txBox="1"/>
-          <p:nvPr/>
-        </p:nvSpPr>
-        <p:spPr>
-          <a:xfrm>
-            <a:off x="4881675" y="3995034"/>
-            <a:ext cx="1976042" cy="1015663"/>
-          </a:xfrm>
-          <a:prstGeom prst="rect">
-            <a:avLst/>
-          </a:prstGeom>
-          <a:solidFill>
-            <a:schemeClr val="bg1"/>
-          </a:solidFill>
-        </p:spPr>
-        <p:txBody>
-          <a:bodyPr wrap="square" rtlCol="0">
-            <a:spAutoFit/>
-          </a:bodyPr>
-          <a:lstStyle/>
-          <a:p>
-            <a:r>
-              <a:rPr lang="en-US" altLang="zh-CN" sz="2000" b="1" spc="100" dirty="0">
-                <a:gradFill>
-                  <a:gsLst>
-                    <a:gs pos="0">
-                      <a:srgbClr val="BE264C"/>
-                    </a:gs>
-                    <a:gs pos="74000">
-                      <a:schemeClr val="accent1">
-                        <a:lumMod val="45000"/>
-                        <a:lumOff val="55000"/>
-                      </a:schemeClr>
-                    </a:gs>
-                    <a:gs pos="83000">
-                      <a:schemeClr val="accent1">
-                        <a:lumMod val="45000"/>
-                        <a:lumOff val="55000"/>
-                      </a:schemeClr>
-                    </a:gs>
-                    <a:gs pos="100000">
-                      <a:srgbClr val="92AEB9"/>
-                    </a:gs>
-                  </a:gsLst>
-                  <a:lin ang="5400000" scaled="1"/>
-                </a:gradFill>
-                <a:latin typeface="Poppins" panose="00000500000000000000" pitchFamily="2" charset="0"/>
-                <a:ea typeface="Roboto" panose="02000000000000000000" pitchFamily="2" charset="0"/>
-                <a:cs typeface="Poppins" panose="00000500000000000000" pitchFamily="2" charset="0"/>
-              </a:rPr>
-              <a:t>Exploratory Data Analysis</a:t>
-            </a:r>
-            <a:endParaRPr lang="zh-CN" altLang="en-US" sz="2000" b="1" spc="100" dirty="0">
-              <a:gradFill>
-                <a:gsLst>
-                  <a:gs pos="0">
-                    <a:srgbClr val="BE264C"/>
-                  </a:gs>
-                  <a:gs pos="74000">
-                    <a:schemeClr val="accent1">
-                      <a:lumMod val="45000"/>
-                      <a:lumOff val="55000"/>
-                    </a:schemeClr>
-                  </a:gs>
-                  <a:gs pos="83000">
-                    <a:schemeClr val="accent1">
-                      <a:lumMod val="45000"/>
-                      <a:lumOff val="55000"/>
-                    </a:schemeClr>
-                  </a:gs>
-                  <a:gs pos="100000">
-                    <a:srgbClr val="92AEB9"/>
-                  </a:gs>
-                </a:gsLst>
-                <a:lin ang="5400000" scaled="1"/>
-              </a:gradFill>
-              <a:latin typeface="Poppins" panose="00000500000000000000" pitchFamily="2" charset="0"/>
-              <a:cs typeface="Poppins" panose="00000500000000000000" pitchFamily="2" charset="0"/>
-            </a:endParaRPr>
-          </a:p>
-        </p:txBody>
-      </p:sp>
-      <p:sp>
-        <p:nvSpPr>
-          <p:cNvPr id="32" name="TextBox 31">
-            <a:extLst>
-              <a:ext uri="{FF2B5EF4-FFF2-40B4-BE49-F238E27FC236}">
-                <a16:creationId xmlns:a16="http://schemas.microsoft.com/office/drawing/2014/main" id="{ACACF5A1-618B-3DBB-B3E5-35115FE5EF89}"/>
-              </a:ext>
-            </a:extLst>
-          </p:cNvPr>
-          <p:cNvSpPr txBox="1"/>
-          <p:nvPr/>
-        </p:nvSpPr>
-        <p:spPr>
-          <a:xfrm>
-            <a:off x="6886745" y="4032417"/>
-            <a:ext cx="1800893" cy="707886"/>
-          </a:xfrm>
-          <a:prstGeom prst="rect">
-            <a:avLst/>
-          </a:prstGeom>
-          <a:solidFill>
-            <a:schemeClr val="bg1"/>
-          </a:solidFill>
-        </p:spPr>
-        <p:txBody>
-          <a:bodyPr wrap="square" rtlCol="0">
-            <a:spAutoFit/>
-          </a:bodyPr>
-          <a:lstStyle/>
-          <a:p>
-            <a:r>
-              <a:rPr lang="en-US" altLang="zh-CN" sz="2000" b="1" spc="100" dirty="0">
-                <a:gradFill>
-                  <a:gsLst>
-                    <a:gs pos="0">
-                      <a:srgbClr val="BE264C"/>
-                    </a:gs>
-                    <a:gs pos="74000">
-                      <a:schemeClr val="accent1">
-                        <a:lumMod val="45000"/>
-                        <a:lumOff val="55000"/>
-                      </a:schemeClr>
-                    </a:gs>
-                    <a:gs pos="83000">
-                      <a:schemeClr val="accent1">
-                        <a:lumMod val="45000"/>
-                        <a:lumOff val="55000"/>
-                      </a:schemeClr>
-                    </a:gs>
-                    <a:gs pos="100000">
-                      <a:srgbClr val="92AEB9"/>
-                    </a:gs>
-                  </a:gsLst>
-                  <a:lin ang="5400000" scaled="1"/>
-                </a:gradFill>
-                <a:latin typeface="Poppins" panose="00000500000000000000" pitchFamily="2" charset="0"/>
-                <a:ea typeface="Roboto" panose="02000000000000000000" pitchFamily="2" charset="0"/>
-                <a:cs typeface="Poppins" panose="00000500000000000000" pitchFamily="2" charset="0"/>
-              </a:rPr>
-              <a:t>ML and Testing</a:t>
-            </a:r>
-            <a:endParaRPr lang="zh-CN" altLang="en-US" sz="2000" b="1" spc="100" dirty="0">
-              <a:gradFill>
-                <a:gsLst>
-                  <a:gs pos="0">
-                    <a:srgbClr val="BE264C"/>
-                  </a:gs>
-                  <a:gs pos="74000">
-                    <a:schemeClr val="accent1">
-                      <a:lumMod val="45000"/>
-                      <a:lumOff val="55000"/>
-                    </a:schemeClr>
-                  </a:gs>
-                  <a:gs pos="83000">
-                    <a:schemeClr val="accent1">
-                      <a:lumMod val="45000"/>
-                      <a:lumOff val="55000"/>
-                    </a:schemeClr>
-                  </a:gs>
-                  <a:gs pos="100000">
-                    <a:srgbClr val="92AEB9"/>
-                  </a:gs>
-                </a:gsLst>
-                <a:lin ang="5400000" scaled="1"/>
-              </a:gradFill>
-              <a:latin typeface="Poppins" panose="00000500000000000000" pitchFamily="2" charset="0"/>
-              <a:cs typeface="Poppins" panose="00000500000000000000" pitchFamily="2" charset="0"/>
-            </a:endParaRPr>
-          </a:p>
-        </p:txBody>
-      </p:sp>
     </p:spTree>
     <p:extLst>
       <p:ext uri="{BB962C8B-B14F-4D97-AF65-F5344CB8AC3E}">
